--- a/2024-04-17__Empowering_your_Statistics_with_Better_Stories/ppt/better_stories.pptx
+++ b/2024-04-17__Empowering_your_Statistics_with_Better_Stories/ppt/better_stories.pptx
@@ -110,6 +110,11 @@
       </a:defRPr>
     </a:lvl9pPr>
   </p:defaultTextStyle>
+  <p:extLst>
+    <p:ext uri="{EFAFB233-063F-42B5-8137-9DF3F51BA10A}">
+      <p15:sldGuideLst xmlns:p15="http://schemas.microsoft.com/office/powerpoint/2012/main"/>
+    </p:ext>
+  </p:extLst>
 </p:presentation>
 </file>
 

--- a/2024-04-17__Empowering_your_Statistics_with_Better_Stories/ppt/better_stories.pptx
+++ b/2024-04-17__Empowering_your_Statistics_with_Better_Stories/ppt/better_stories.pptx
@@ -5,13 +5,15 @@
     <p:sldMasterId id="2147483648" r:id="rId1"/>
   </p:sldMasterIdLst>
   <p:notesMasterIdLst>
-    <p:notesMasterId r:id="rId6"/>
+    <p:notesMasterId r:id="rId8"/>
   </p:notesMasterIdLst>
   <p:sldIdLst>
     <p:sldId id="2147480205" r:id="rId2"/>
     <p:sldId id="2147480206" r:id="rId3"/>
     <p:sldId id="257" r:id="rId4"/>
     <p:sldId id="2147480203" r:id="rId5"/>
+    <p:sldId id="2147480154" r:id="rId6"/>
+    <p:sldId id="293" r:id="rId7"/>
   </p:sldIdLst>
   <p:sldSz cx="12192000" cy="6858000"/>
   <p:notesSz cx="6858000" cy="9144000"/>
@@ -626,6 +628,667 @@
     <p:extLst>
       <p:ext uri="{BB962C8B-B14F-4D97-AF65-F5344CB8AC3E}">
         <p14:creationId xmlns:p14="http://schemas.microsoft.com/office/powerpoint/2010/main" val="2079418457"/>
+      </p:ext>
+    </p:extLst>
+  </p:cSld>
+  <p:clrMapOvr>
+    <a:masterClrMapping/>
+  </p:clrMapOvr>
+</p:notes>
+</file>
+
+<file path=ppt/notesSlides/notesSlide3.xml><?xml version="1.0" encoding="utf-8"?>
+<p:notes xmlns:a="http://schemas.openxmlformats.org/drawingml/2006/main" xmlns:r="http://schemas.openxmlformats.org/officeDocument/2006/relationships" xmlns:p="http://schemas.openxmlformats.org/presentationml/2006/main">
+  <p:cSld>
+    <p:spTree>
+      <p:nvGrpSpPr>
+        <p:cNvPr id="1" name=""/>
+        <p:cNvGrpSpPr/>
+        <p:nvPr/>
+      </p:nvGrpSpPr>
+      <p:grpSpPr>
+        <a:xfrm>
+          <a:off x="0" y="0"/>
+          <a:ext cx="0" cy="0"/>
+          <a:chOff x="0" y="0"/>
+          <a:chExt cx="0" cy="0"/>
+        </a:xfrm>
+      </p:grpSpPr>
+      <p:sp>
+        <p:nvSpPr>
+          <p:cNvPr id="2" name="Slide Image Placeholder 1"/>
+          <p:cNvSpPr>
+            <a:spLocks noGrp="1" noRot="1" noChangeAspect="1"/>
+          </p:cNvSpPr>
+          <p:nvPr>
+            <p:ph type="sldImg"/>
+          </p:nvPr>
+        </p:nvSpPr>
+        <p:spPr/>
+      </p:sp>
+      <p:sp>
+        <p:nvSpPr>
+          <p:cNvPr id="3" name="Notes Placeholder 2"/>
+          <p:cNvSpPr>
+            <a:spLocks noGrp="1"/>
+          </p:cNvSpPr>
+          <p:nvPr>
+            <p:ph type="body" idx="1"/>
+          </p:nvPr>
+        </p:nvSpPr>
+        <p:spPr/>
+        <p:txBody>
+          <a:bodyPr/>
+          <a:lstStyle/>
+          <a:p>
+            <a:pPr marL="0" marR="0">
+              <a:lnSpc>
+                <a:spcPct val="105000"/>
+              </a:lnSpc>
+              <a:spcBef>
+                <a:spcPts val="0"/>
+              </a:spcBef>
+              <a:spcAft>
+                <a:spcPts val="800"/>
+              </a:spcAft>
+            </a:pPr>
+            <a:r>
+              <a:rPr lang="en-US" sz="1800" dirty="0">
+                <a:effectLst/>
+                <a:latin typeface="Segoe UI" panose="020B0502040204020203" pitchFamily="34" charset="0"/>
+                <a:ea typeface="Segoe UI" panose="020B0502040204020203" pitchFamily="34" charset="0"/>
+                <a:cs typeface="Times New Roman" panose="02020603050405020304" pitchFamily="18" charset="0"/>
+              </a:rPr>
+              <a:t>When we say your data is your data, we mean that all of the data you use or generate with Azure OpenAI Service is stored encrypted at rest in </a:t>
+            </a:r>
+            <a:r>
+              <a:rPr lang="en-US" sz="1800" b="1" dirty="0">
+                <a:effectLst/>
+                <a:latin typeface="Segoe UI" panose="020B0502040204020203" pitchFamily="34" charset="0"/>
+                <a:ea typeface="Segoe UI" panose="020B0502040204020203" pitchFamily="34" charset="0"/>
+                <a:cs typeface="Times New Roman" panose="02020603050405020304" pitchFamily="18" charset="0"/>
+              </a:rPr>
+              <a:t>your organization’s</a:t>
+            </a:r>
+            <a:r>
+              <a:rPr lang="en-US" sz="1800" dirty="0">
+                <a:effectLst/>
+                <a:latin typeface="Segoe UI" panose="020B0502040204020203" pitchFamily="34" charset="0"/>
+                <a:ea typeface="Segoe UI" panose="020B0502040204020203" pitchFamily="34" charset="0"/>
+                <a:cs typeface="Times New Roman" panose="02020603050405020304" pitchFamily="18" charset="0"/>
+              </a:rPr>
+              <a:t> Azure subscription.  </a:t>
+            </a:r>
+            <a:endParaRPr lang="en-US" sz="1800" dirty="0">
+              <a:effectLst/>
+              <a:latin typeface="Calibri" panose="020F0502020204030204" pitchFamily="34" charset="0"/>
+              <a:ea typeface="Calibri" panose="020F0502020204030204" pitchFamily="34" charset="0"/>
+              <a:cs typeface="Times New Roman" panose="02020603050405020304" pitchFamily="18" charset="0"/>
+            </a:endParaRPr>
+          </a:p>
+          <a:p>
+            <a:pPr marL="0" marR="0">
+              <a:lnSpc>
+                <a:spcPct val="105000"/>
+              </a:lnSpc>
+              <a:spcBef>
+                <a:spcPts val="0"/>
+              </a:spcBef>
+              <a:spcAft>
+                <a:spcPts val="800"/>
+              </a:spcAft>
+            </a:pPr>
+            <a:r>
+              <a:rPr lang="en-US" sz="1800" dirty="0">
+                <a:effectLst/>
+                <a:latin typeface="Segoe UI" panose="020B0502040204020203" pitchFamily="34" charset="0"/>
+                <a:ea typeface="Calibri" panose="020F0502020204030204" pitchFamily="34" charset="0"/>
+                <a:cs typeface="Times New Roman" panose="02020603050405020304" pitchFamily="18" charset="0"/>
+              </a:rPr>
+              <a:t> </a:t>
+            </a:r>
+            <a:endParaRPr lang="en-US" sz="1800" dirty="0">
+              <a:effectLst/>
+              <a:latin typeface="Calibri" panose="020F0502020204030204" pitchFamily="34" charset="0"/>
+              <a:ea typeface="Calibri" panose="020F0502020204030204" pitchFamily="34" charset="0"/>
+              <a:cs typeface="Times New Roman" panose="02020603050405020304" pitchFamily="18" charset="0"/>
+            </a:endParaRPr>
+          </a:p>
+          <a:p>
+            <a:pPr marL="0" marR="0">
+              <a:lnSpc>
+                <a:spcPct val="105000"/>
+              </a:lnSpc>
+              <a:spcBef>
+                <a:spcPts val="0"/>
+              </a:spcBef>
+              <a:spcAft>
+                <a:spcPts val="800"/>
+              </a:spcAft>
+            </a:pPr>
+            <a:r>
+              <a:rPr lang="en-US" sz="1800" dirty="0">
+                <a:effectLst/>
+                <a:latin typeface="Segoe UI" panose="020B0502040204020203" pitchFamily="34" charset="0"/>
+                <a:ea typeface="Segoe UI" panose="020B0502040204020203" pitchFamily="34" charset="0"/>
+                <a:cs typeface="Times New Roman" panose="02020603050405020304" pitchFamily="18" charset="0"/>
+              </a:rPr>
+              <a:t>The data is always under your control. </a:t>
+            </a:r>
+            <a:endParaRPr lang="en-US" sz="1800" dirty="0">
+              <a:effectLst/>
+              <a:latin typeface="Calibri" panose="020F0502020204030204" pitchFamily="34" charset="0"/>
+              <a:ea typeface="Calibri" panose="020F0502020204030204" pitchFamily="34" charset="0"/>
+              <a:cs typeface="Times New Roman" panose="02020603050405020304" pitchFamily="18" charset="0"/>
+            </a:endParaRPr>
+          </a:p>
+          <a:p>
+            <a:pPr marL="0" marR="0">
+              <a:lnSpc>
+                <a:spcPct val="105000"/>
+              </a:lnSpc>
+              <a:spcBef>
+                <a:spcPts val="0"/>
+              </a:spcBef>
+              <a:spcAft>
+                <a:spcPts val="800"/>
+              </a:spcAft>
+            </a:pPr>
+            <a:r>
+              <a:rPr lang="en-US" sz="1800" dirty="0">
+                <a:effectLst/>
+                <a:latin typeface="Segoe UI" panose="020B0502040204020203" pitchFamily="34" charset="0"/>
+                <a:ea typeface="Calibri" panose="020F0502020204030204" pitchFamily="34" charset="0"/>
+                <a:cs typeface="Times New Roman" panose="02020603050405020304" pitchFamily="18" charset="0"/>
+              </a:rPr>
+              <a:t> </a:t>
+            </a:r>
+            <a:endParaRPr lang="en-US" sz="1800" dirty="0">
+              <a:effectLst/>
+              <a:latin typeface="Calibri" panose="020F0502020204030204" pitchFamily="34" charset="0"/>
+              <a:ea typeface="Calibri" panose="020F0502020204030204" pitchFamily="34" charset="0"/>
+              <a:cs typeface="Times New Roman" panose="02020603050405020304" pitchFamily="18" charset="0"/>
+            </a:endParaRPr>
+          </a:p>
+          <a:p>
+            <a:pPr marL="0" marR="0">
+              <a:lnSpc>
+                <a:spcPct val="105000"/>
+              </a:lnSpc>
+              <a:spcBef>
+                <a:spcPts val="0"/>
+              </a:spcBef>
+              <a:spcAft>
+                <a:spcPts val="800"/>
+              </a:spcAft>
+            </a:pPr>
+            <a:r>
+              <a:rPr lang="en-US" sz="1800" dirty="0">
+                <a:effectLst/>
+                <a:latin typeface="Segoe UI" panose="020B0502040204020203" pitchFamily="34" charset="0"/>
+                <a:ea typeface="Segoe UI" panose="020B0502040204020203" pitchFamily="34" charset="0"/>
+                <a:cs typeface="Times New Roman" panose="02020603050405020304" pitchFamily="18" charset="0"/>
+              </a:rPr>
+              <a:t>And when we say your data is not used to train foundation models, we mean that training data provided by the customer is only used to fine-tune the customer’s model and is not used by Microsoft to train or improve any Microsoft models.</a:t>
+            </a:r>
+            <a:endParaRPr lang="en-US" sz="1800" dirty="0">
+              <a:effectLst/>
+              <a:latin typeface="Calibri" panose="020F0502020204030204" pitchFamily="34" charset="0"/>
+              <a:ea typeface="Calibri" panose="020F0502020204030204" pitchFamily="34" charset="0"/>
+              <a:cs typeface="Times New Roman" panose="02020603050405020304" pitchFamily="18" charset="0"/>
+            </a:endParaRPr>
+          </a:p>
+          <a:p>
+            <a:pPr marL="0" marR="0">
+              <a:lnSpc>
+                <a:spcPct val="105000"/>
+              </a:lnSpc>
+              <a:spcBef>
+                <a:spcPts val="0"/>
+              </a:spcBef>
+              <a:spcAft>
+                <a:spcPts val="800"/>
+              </a:spcAft>
+            </a:pPr>
+            <a:r>
+              <a:rPr lang="en-US" sz="1800" dirty="0">
+                <a:effectLst/>
+                <a:latin typeface="Segoe UI" panose="020B0502040204020203" pitchFamily="34" charset="0"/>
+                <a:ea typeface="Calibri" panose="020F0502020204030204" pitchFamily="34" charset="0"/>
+                <a:cs typeface="Times New Roman" panose="02020603050405020304" pitchFamily="18" charset="0"/>
+              </a:rPr>
+              <a:t> </a:t>
+            </a:r>
+            <a:endParaRPr lang="en-US" sz="1800" dirty="0">
+              <a:effectLst/>
+              <a:latin typeface="Calibri" panose="020F0502020204030204" pitchFamily="34" charset="0"/>
+              <a:ea typeface="Calibri" panose="020F0502020204030204" pitchFamily="34" charset="0"/>
+              <a:cs typeface="Times New Roman" panose="02020603050405020304" pitchFamily="18" charset="0"/>
+            </a:endParaRPr>
+          </a:p>
+          <a:p>
+            <a:pPr marL="0" marR="0">
+              <a:lnSpc>
+                <a:spcPct val="105000"/>
+              </a:lnSpc>
+              <a:spcBef>
+                <a:spcPts val="0"/>
+              </a:spcBef>
+              <a:spcAft>
+                <a:spcPts val="800"/>
+              </a:spcAft>
+            </a:pPr>
+            <a:r>
+              <a:rPr lang="en-US" sz="1800" dirty="0">
+                <a:effectLst/>
+                <a:latin typeface="Segoe UI" panose="020B0502040204020203" pitchFamily="34" charset="0"/>
+                <a:ea typeface="Segoe UI" panose="020B0502040204020203" pitchFamily="34" charset="0"/>
+                <a:cs typeface="Times New Roman" panose="02020603050405020304" pitchFamily="18" charset="0"/>
+              </a:rPr>
+              <a:t>Any fine-tuning you do stays in that Azure subscription, and </a:t>
+            </a:r>
+            <a:r>
+              <a:rPr lang="en-US" sz="1800" b="1" dirty="0">
+                <a:effectLst/>
+                <a:latin typeface="Segoe UI" panose="020B0502040204020203" pitchFamily="34" charset="0"/>
+                <a:ea typeface="Segoe UI" panose="020B0502040204020203" pitchFamily="34" charset="0"/>
+                <a:cs typeface="Times New Roman" panose="02020603050405020304" pitchFamily="18" charset="0"/>
+              </a:rPr>
+              <a:t>never moves</a:t>
+            </a:r>
+            <a:r>
+              <a:rPr lang="en-US" sz="1800" dirty="0">
+                <a:effectLst/>
+                <a:latin typeface="Segoe UI" panose="020B0502040204020203" pitchFamily="34" charset="0"/>
+                <a:ea typeface="Segoe UI" panose="020B0502040204020203" pitchFamily="34" charset="0"/>
+                <a:cs typeface="Times New Roman" panose="02020603050405020304" pitchFamily="18" charset="0"/>
+              </a:rPr>
+              <a:t> into the foundation AI models used by the world at large.  </a:t>
+            </a:r>
+            <a:endParaRPr lang="en-US" sz="1800" dirty="0">
+              <a:effectLst/>
+              <a:latin typeface="Calibri" panose="020F0502020204030204" pitchFamily="34" charset="0"/>
+              <a:ea typeface="Calibri" panose="020F0502020204030204" pitchFamily="34" charset="0"/>
+              <a:cs typeface="Times New Roman" panose="02020603050405020304" pitchFamily="18" charset="0"/>
+            </a:endParaRPr>
+          </a:p>
+          <a:p>
+            <a:pPr marL="0" marR="0">
+              <a:lnSpc>
+                <a:spcPct val="105000"/>
+              </a:lnSpc>
+              <a:spcBef>
+                <a:spcPts val="0"/>
+              </a:spcBef>
+              <a:spcAft>
+                <a:spcPts val="800"/>
+              </a:spcAft>
+            </a:pPr>
+            <a:r>
+              <a:rPr lang="en-US" sz="1800" dirty="0">
+                <a:effectLst/>
+                <a:latin typeface="Segoe UI" panose="020B0502040204020203" pitchFamily="34" charset="0"/>
+                <a:ea typeface="Calibri" panose="020F0502020204030204" pitchFamily="34" charset="0"/>
+                <a:cs typeface="Times New Roman" panose="02020603050405020304" pitchFamily="18" charset="0"/>
+              </a:rPr>
+              <a:t> </a:t>
+            </a:r>
+            <a:endParaRPr lang="en-US" sz="1800" dirty="0">
+              <a:effectLst/>
+              <a:latin typeface="Calibri" panose="020F0502020204030204" pitchFamily="34" charset="0"/>
+              <a:ea typeface="Calibri" panose="020F0502020204030204" pitchFamily="34" charset="0"/>
+              <a:cs typeface="Times New Roman" panose="02020603050405020304" pitchFamily="18" charset="0"/>
+            </a:endParaRPr>
+          </a:p>
+          <a:p>
+            <a:pPr marL="0" marR="0">
+              <a:lnSpc>
+                <a:spcPct val="105000"/>
+              </a:lnSpc>
+              <a:spcBef>
+                <a:spcPts val="0"/>
+              </a:spcBef>
+              <a:spcAft>
+                <a:spcPts val="800"/>
+              </a:spcAft>
+            </a:pPr>
+            <a:r>
+              <a:rPr lang="en-US" sz="1800" dirty="0">
+                <a:effectLst/>
+                <a:latin typeface="Segoe UI" panose="020B0502040204020203" pitchFamily="34" charset="0"/>
+                <a:ea typeface="Calibri" panose="020F0502020204030204" pitchFamily="34" charset="0"/>
+                <a:cs typeface="Times New Roman" panose="02020603050405020304" pitchFamily="18" charset="0"/>
+              </a:rPr>
+              <a:t>You don’t have to worry about training the model with your data, and then having a competitor be able to use that learning. The fine-tuned model only lives in </a:t>
+            </a:r>
+            <a:r>
+              <a:rPr lang="en-US" sz="1800" b="1" dirty="0">
+                <a:effectLst/>
+                <a:latin typeface="Segoe UI" panose="020B0502040204020203" pitchFamily="34" charset="0"/>
+                <a:ea typeface="Calibri" panose="020F0502020204030204" pitchFamily="34" charset="0"/>
+                <a:cs typeface="Times New Roman" panose="02020603050405020304" pitchFamily="18" charset="0"/>
+              </a:rPr>
+              <a:t>your subscription</a:t>
+            </a:r>
+            <a:r>
+              <a:rPr lang="en-US" sz="1800" dirty="0">
+                <a:effectLst/>
+                <a:latin typeface="Segoe UI" panose="020B0502040204020203" pitchFamily="34" charset="0"/>
+                <a:ea typeface="Calibri" panose="020F0502020204030204" pitchFamily="34" charset="0"/>
+                <a:cs typeface="Times New Roman" panose="02020603050405020304" pitchFamily="18" charset="0"/>
+              </a:rPr>
+              <a:t> and only </a:t>
+            </a:r>
+            <a:r>
+              <a:rPr lang="en-US" sz="1800" b="1" dirty="0">
+                <a:effectLst/>
+                <a:latin typeface="Segoe UI" panose="020B0502040204020203" pitchFamily="34" charset="0"/>
+                <a:ea typeface="Calibri" panose="020F0502020204030204" pitchFamily="34" charset="0"/>
+                <a:cs typeface="Times New Roman" panose="02020603050405020304" pitchFamily="18" charset="0"/>
+              </a:rPr>
+              <a:t>you </a:t>
+            </a:r>
+            <a:r>
+              <a:rPr lang="en-US" sz="1800" dirty="0">
+                <a:effectLst/>
+                <a:latin typeface="Segoe UI" panose="020B0502040204020203" pitchFamily="34" charset="0"/>
+                <a:ea typeface="Calibri" panose="020F0502020204030204" pitchFamily="34" charset="0"/>
+                <a:cs typeface="Times New Roman" panose="02020603050405020304" pitchFamily="18" charset="0"/>
+              </a:rPr>
+              <a:t>get to use it. </a:t>
+            </a:r>
+            <a:endParaRPr lang="en-US" sz="1800" dirty="0">
+              <a:effectLst/>
+              <a:latin typeface="Calibri" panose="020F0502020204030204" pitchFamily="34" charset="0"/>
+              <a:ea typeface="Calibri" panose="020F0502020204030204" pitchFamily="34" charset="0"/>
+              <a:cs typeface="Times New Roman" panose="02020603050405020304" pitchFamily="18" charset="0"/>
+            </a:endParaRPr>
+          </a:p>
+          <a:p>
+            <a:pPr marL="0" marR="0">
+              <a:lnSpc>
+                <a:spcPct val="105000"/>
+              </a:lnSpc>
+              <a:spcBef>
+                <a:spcPts val="0"/>
+              </a:spcBef>
+              <a:spcAft>
+                <a:spcPts val="800"/>
+              </a:spcAft>
+            </a:pPr>
+            <a:r>
+              <a:rPr lang="en-US" sz="1800" dirty="0">
+                <a:effectLst/>
+                <a:latin typeface="Segoe UI" panose="020B0502040204020203" pitchFamily="34" charset="0"/>
+                <a:ea typeface="Calibri" panose="020F0502020204030204" pitchFamily="34" charset="0"/>
+                <a:cs typeface="Times New Roman" panose="02020603050405020304" pitchFamily="18" charset="0"/>
+              </a:rPr>
+              <a:t> </a:t>
+            </a:r>
+            <a:endParaRPr lang="en-US" sz="1800" dirty="0">
+              <a:effectLst/>
+              <a:latin typeface="Calibri" panose="020F0502020204030204" pitchFamily="34" charset="0"/>
+              <a:ea typeface="Calibri" panose="020F0502020204030204" pitchFamily="34" charset="0"/>
+              <a:cs typeface="Times New Roman" panose="02020603050405020304" pitchFamily="18" charset="0"/>
+            </a:endParaRPr>
+          </a:p>
+          <a:p>
+            <a:pPr marL="0" marR="0">
+              <a:lnSpc>
+                <a:spcPct val="105000"/>
+              </a:lnSpc>
+              <a:spcBef>
+                <a:spcPts val="0"/>
+              </a:spcBef>
+              <a:spcAft>
+                <a:spcPts val="800"/>
+              </a:spcAft>
+            </a:pPr>
+            <a:r>
+              <a:rPr lang="en-US" sz="1800" dirty="0">
+                <a:effectLst/>
+                <a:latin typeface="Segoe UI" panose="020B0502040204020203" pitchFamily="34" charset="0"/>
+                <a:ea typeface="Calibri" panose="020F0502020204030204" pitchFamily="34" charset="0"/>
+                <a:cs typeface="Times New Roman" panose="02020603050405020304" pitchFamily="18" charset="0"/>
+              </a:rPr>
+              <a:t>And all of your data and AI models are protected by the most comprehensive enterprise compliance and security controls in the industry. </a:t>
+            </a:r>
+            <a:endParaRPr lang="en-US" sz="1800" dirty="0">
+              <a:effectLst/>
+              <a:latin typeface="Calibri" panose="020F0502020204030204" pitchFamily="34" charset="0"/>
+              <a:ea typeface="Calibri" panose="020F0502020204030204" pitchFamily="34" charset="0"/>
+              <a:cs typeface="Times New Roman" panose="02020603050405020304" pitchFamily="18" charset="0"/>
+            </a:endParaRPr>
+          </a:p>
+          <a:p>
+            <a:pPr marL="0" marR="0">
+              <a:lnSpc>
+                <a:spcPct val="105000"/>
+              </a:lnSpc>
+              <a:spcBef>
+                <a:spcPts val="0"/>
+              </a:spcBef>
+              <a:spcAft>
+                <a:spcPts val="800"/>
+              </a:spcAft>
+            </a:pPr>
+            <a:r>
+              <a:rPr lang="en-US" sz="1800" dirty="0">
+                <a:effectLst/>
+                <a:latin typeface="Segoe UI" panose="020B0502040204020203" pitchFamily="34" charset="0"/>
+                <a:ea typeface="Calibri" panose="020F0502020204030204" pitchFamily="34" charset="0"/>
+                <a:cs typeface="Times New Roman" panose="02020603050405020304" pitchFamily="18" charset="0"/>
+              </a:rPr>
+              <a:t> </a:t>
+            </a:r>
+            <a:endParaRPr lang="en-US" sz="1800" dirty="0">
+              <a:effectLst/>
+              <a:latin typeface="Calibri" panose="020F0502020204030204" pitchFamily="34" charset="0"/>
+              <a:ea typeface="Calibri" panose="020F0502020204030204" pitchFamily="34" charset="0"/>
+              <a:cs typeface="Times New Roman" panose="02020603050405020304" pitchFamily="18" charset="0"/>
+            </a:endParaRPr>
+          </a:p>
+          <a:p>
+            <a:pPr marL="0" marR="0">
+              <a:lnSpc>
+                <a:spcPct val="105000"/>
+              </a:lnSpc>
+              <a:spcBef>
+                <a:spcPts val="0"/>
+              </a:spcBef>
+              <a:spcAft>
+                <a:spcPts val="800"/>
+              </a:spcAft>
+            </a:pPr>
+            <a:r>
+              <a:rPr lang="en-US" sz="1800" dirty="0">
+                <a:effectLst/>
+                <a:latin typeface="Segoe UI" panose="020B0502040204020203" pitchFamily="34" charset="0"/>
+                <a:ea typeface="Calibri" panose="020F0502020204030204" pitchFamily="34" charset="0"/>
+                <a:cs typeface="Times New Roman" panose="02020603050405020304" pitchFamily="18" charset="0"/>
+              </a:rPr>
+              <a:t>This gives you the confidence to build great AI solutions on Azure and the Microsoft cloud. </a:t>
+            </a:r>
+            <a:endParaRPr lang="en-US" sz="1800" dirty="0">
+              <a:effectLst/>
+              <a:latin typeface="Calibri" panose="020F0502020204030204" pitchFamily="34" charset="0"/>
+              <a:ea typeface="Calibri" panose="020F0502020204030204" pitchFamily="34" charset="0"/>
+              <a:cs typeface="Times New Roman" panose="02020603050405020304" pitchFamily="18" charset="0"/>
+            </a:endParaRPr>
+          </a:p>
+        </p:txBody>
+      </p:sp>
+      <p:sp>
+        <p:nvSpPr>
+          <p:cNvPr id="4" name="Slide Number Placeholder 3"/>
+          <p:cNvSpPr>
+            <a:spLocks noGrp="1"/>
+          </p:cNvSpPr>
+          <p:nvPr>
+            <p:ph type="sldNum" sz="quarter" idx="5"/>
+          </p:nvPr>
+        </p:nvSpPr>
+        <p:spPr/>
+        <p:txBody>
+          <a:bodyPr/>
+          <a:lstStyle/>
+          <a:p>
+            <a:pPr marL="0" marR="0" lvl="0" indent="0" algn="r" defTabSz="914400" rtl="0" eaLnBrk="1" fontAlgn="auto" latinLnBrk="0" hangingPunct="1">
+              <a:lnSpc>
+                <a:spcPct val="100000"/>
+              </a:lnSpc>
+              <a:spcBef>
+                <a:spcPts val="0"/>
+              </a:spcBef>
+              <a:spcAft>
+                <a:spcPts val="0"/>
+              </a:spcAft>
+              <a:buClrTx/>
+              <a:buSzTx/>
+              <a:buFontTx/>
+              <a:buNone/>
+              <a:tabLst/>
+              <a:defRPr/>
+            </a:pPr>
+            <a:fld id="{FA6CC9AB-C7F4-4106-BD7F-6816938D190E}" type="slidenum">
+              <a:rPr kumimoji="0" lang="en-US" sz="1200" b="0" i="0" u="none" strike="noStrike" kern="1200" cap="none" spc="0" normalizeH="0" baseline="0" noProof="0" smtClean="0">
+                <a:ln>
+                  <a:noFill/>
+                </a:ln>
+                <a:solidFill>
+                  <a:prstClr val="black"/>
+                </a:solidFill>
+                <a:effectLst/>
+                <a:uLnTx/>
+                <a:uFillTx/>
+                <a:latin typeface="Calibri" panose="020F0502020204030204"/>
+                <a:ea typeface="+mn-ea"/>
+                <a:cs typeface="+mn-cs"/>
+              </a:rPr>
+              <a:pPr marL="0" marR="0" lvl="0" indent="0" algn="r" defTabSz="914400" rtl="0" eaLnBrk="1" fontAlgn="auto" latinLnBrk="0" hangingPunct="1">
+                <a:lnSpc>
+                  <a:spcPct val="100000"/>
+                </a:lnSpc>
+                <a:spcBef>
+                  <a:spcPts val="0"/>
+                </a:spcBef>
+                <a:spcAft>
+                  <a:spcPts val="0"/>
+                </a:spcAft>
+                <a:buClrTx/>
+                <a:buSzTx/>
+                <a:buFontTx/>
+                <a:buNone/>
+                <a:tabLst/>
+                <a:defRPr/>
+              </a:pPr>
+              <a:t>5</a:t>
+            </a:fld>
+            <a:endParaRPr kumimoji="0" lang="en-US" sz="1200" b="0" i="0" u="none" strike="noStrike" kern="1200" cap="none" spc="0" normalizeH="0" baseline="0" noProof="0">
+              <a:ln>
+                <a:noFill/>
+              </a:ln>
+              <a:solidFill>
+                <a:prstClr val="black"/>
+              </a:solidFill>
+              <a:effectLst/>
+              <a:uLnTx/>
+              <a:uFillTx/>
+              <a:latin typeface="Calibri" panose="020F0502020204030204"/>
+              <a:ea typeface="+mn-ea"/>
+              <a:cs typeface="+mn-cs"/>
+            </a:endParaRPr>
+          </a:p>
+        </p:txBody>
+      </p:sp>
+    </p:spTree>
+    <p:extLst>
+      <p:ext uri="{BB962C8B-B14F-4D97-AF65-F5344CB8AC3E}">
+        <p14:creationId xmlns:p14="http://schemas.microsoft.com/office/powerpoint/2010/main" val="772707754"/>
+      </p:ext>
+    </p:extLst>
+  </p:cSld>
+  <p:clrMapOvr>
+    <a:masterClrMapping/>
+  </p:clrMapOvr>
+</p:notes>
+</file>
+
+<file path=ppt/notesSlides/notesSlide4.xml><?xml version="1.0" encoding="utf-8"?>
+<p:notes xmlns:a="http://schemas.openxmlformats.org/drawingml/2006/main" xmlns:r="http://schemas.openxmlformats.org/officeDocument/2006/relationships" xmlns:p="http://schemas.openxmlformats.org/presentationml/2006/main">
+  <p:cSld>
+    <p:spTree>
+      <p:nvGrpSpPr>
+        <p:cNvPr id="1" name=""/>
+        <p:cNvGrpSpPr/>
+        <p:nvPr/>
+      </p:nvGrpSpPr>
+      <p:grpSpPr>
+        <a:xfrm>
+          <a:off x="0" y="0"/>
+          <a:ext cx="0" cy="0"/>
+          <a:chOff x="0" y="0"/>
+          <a:chExt cx="0" cy="0"/>
+        </a:xfrm>
+      </p:grpSpPr>
+      <p:sp>
+        <p:nvSpPr>
+          <p:cNvPr id="2" name="Slide Image Placeholder 1"/>
+          <p:cNvSpPr>
+            <a:spLocks noGrp="1" noRot="1" noChangeAspect="1"/>
+          </p:cNvSpPr>
+          <p:nvPr>
+            <p:ph type="sldImg"/>
+          </p:nvPr>
+        </p:nvSpPr>
+        <p:spPr/>
+      </p:sp>
+      <p:sp>
+        <p:nvSpPr>
+          <p:cNvPr id="3" name="Notes Placeholder 2"/>
+          <p:cNvSpPr>
+            <a:spLocks noGrp="1"/>
+          </p:cNvSpPr>
+          <p:nvPr>
+            <p:ph type="body" idx="1"/>
+          </p:nvPr>
+        </p:nvSpPr>
+        <p:spPr/>
+        <p:txBody>
+          <a:bodyPr/>
+          <a:lstStyle/>
+          <a:p>
+            <a:endParaRPr lang="en-US" dirty="0"/>
+          </a:p>
+        </p:txBody>
+      </p:sp>
+      <p:sp>
+        <p:nvSpPr>
+          <p:cNvPr id="4" name="Slide Number Placeholder 3"/>
+          <p:cNvSpPr>
+            <a:spLocks noGrp="1"/>
+          </p:cNvSpPr>
+          <p:nvPr>
+            <p:ph type="sldNum" sz="quarter" idx="5"/>
+          </p:nvPr>
+        </p:nvSpPr>
+        <p:spPr/>
+        <p:txBody>
+          <a:bodyPr/>
+          <a:lstStyle/>
+          <a:p>
+            <a:fld id="{5BE1CE52-E299-4C04-9DC6-E70C6C51C1B6}" type="slidenum">
+              <a:rPr lang="en-US" smtClean="0"/>
+              <a:t>6</a:t>
+            </a:fld>
+            <a:endParaRPr lang="en-US"/>
+          </a:p>
+        </p:txBody>
+      </p:sp>
+    </p:spTree>
+    <p:extLst>
+      <p:ext uri="{BB962C8B-B14F-4D97-AF65-F5344CB8AC3E}">
+        <p14:creationId xmlns:p14="http://schemas.microsoft.com/office/powerpoint/2010/main" val="15402368"/>
       </p:ext>
     </p:extLst>
   </p:cSld>
@@ -5567,6 +6230,2026 @@
     <p:extLst>
       <p:ext uri="{BB962C8B-B14F-4D97-AF65-F5344CB8AC3E}">
         <p14:creationId xmlns:p14="http://schemas.microsoft.com/office/powerpoint/2010/main" val="1026684624"/>
+      </p:ext>
+    </p:extLst>
+  </p:cSld>
+  <p:clrMapOvr>
+    <a:masterClrMapping/>
+  </p:clrMapOvr>
+</p:sld>
+</file>
+
+<file path=ppt/slides/slide5.xml><?xml version="1.0" encoding="utf-8"?>
+<p:sld xmlns:a="http://schemas.openxmlformats.org/drawingml/2006/main" xmlns:r="http://schemas.openxmlformats.org/officeDocument/2006/relationships" xmlns:p="http://schemas.openxmlformats.org/presentationml/2006/main">
+  <p:cSld>
+    <p:spTree>
+      <p:nvGrpSpPr>
+        <p:cNvPr id="1" name=""/>
+        <p:cNvGrpSpPr/>
+        <p:nvPr/>
+      </p:nvGrpSpPr>
+      <p:grpSpPr>
+        <a:xfrm>
+          <a:off x="0" y="0"/>
+          <a:ext cx="0" cy="0"/>
+          <a:chOff x="0" y="0"/>
+          <a:chExt cx="0" cy="0"/>
+        </a:xfrm>
+      </p:grpSpPr>
+      <p:sp>
+        <p:nvSpPr>
+          <p:cNvPr id="4" name="TextBox 3">
+            <a:extLst>
+              <a:ext uri="{FF2B5EF4-FFF2-40B4-BE49-F238E27FC236}">
+                <a16:creationId xmlns:a16="http://schemas.microsoft.com/office/drawing/2014/main" id="{F7156561-F759-7CAD-E1E4-FCCFAACE27FE}"/>
+              </a:ext>
+            </a:extLst>
+          </p:cNvPr>
+          <p:cNvSpPr txBox="1"/>
+          <p:nvPr/>
+        </p:nvSpPr>
+        <p:spPr>
+          <a:xfrm>
+            <a:off x="5600737" y="1640096"/>
+            <a:ext cx="4623253" cy="246221"/>
+          </a:xfrm>
+          <a:prstGeom prst="rect">
+            <a:avLst/>
+          </a:prstGeom>
+          <a:noFill/>
+        </p:spPr>
+        <p:txBody>
+          <a:bodyPr wrap="none" lIns="0" tIns="0" rIns="0" bIns="0" rtlCol="0">
+            <a:spAutoFit/>
+          </a:bodyPr>
+          <a:lstStyle/>
+          <a:p>
+            <a:pPr marL="0" marR="0" lvl="0" indent="0" algn="l" defTabSz="914400" rtl="0" eaLnBrk="1" fontAlgn="auto" latinLnBrk="0" hangingPunct="1">
+              <a:lnSpc>
+                <a:spcPct val="100000"/>
+              </a:lnSpc>
+              <a:spcBef>
+                <a:spcPts val="0"/>
+              </a:spcBef>
+              <a:spcAft>
+                <a:spcPts val="0"/>
+              </a:spcAft>
+              <a:buClrTx/>
+              <a:buSzTx/>
+              <a:buFontTx/>
+              <a:buNone/>
+              <a:tabLst/>
+              <a:defRPr/>
+            </a:pPr>
+            <a:r>
+              <a:rPr kumimoji="0" lang="en-US" sz="1600" b="0" i="0" u="none" strike="noStrike" kern="1200" cap="none" spc="0" normalizeH="0" baseline="0" noProof="0" dirty="0">
+                <a:ln>
+                  <a:noFill/>
+                </a:ln>
+                <a:solidFill>
+                  <a:schemeClr val="tx2"/>
+                </a:solidFill>
+                <a:effectLst/>
+                <a:uLnTx/>
+                <a:uFillTx/>
+                <a:latin typeface="Segoe UI"/>
+                <a:ea typeface="+mn-ea"/>
+                <a:cs typeface="+mn-cs"/>
+              </a:rPr>
+              <a:t>Data is stored encrypted in your Azure subscription</a:t>
+            </a:r>
+          </a:p>
+        </p:txBody>
+      </p:sp>
+      <p:sp>
+        <p:nvSpPr>
+          <p:cNvPr id="5" name="TextBox 4">
+            <a:extLst>
+              <a:ext uri="{FF2B5EF4-FFF2-40B4-BE49-F238E27FC236}">
+                <a16:creationId xmlns:a16="http://schemas.microsoft.com/office/drawing/2014/main" id="{383354BE-7B1F-444D-2557-2BA6244369A3}"/>
+              </a:ext>
+            </a:extLst>
+          </p:cNvPr>
+          <p:cNvSpPr txBox="1"/>
+          <p:nvPr/>
+        </p:nvSpPr>
+        <p:spPr>
+          <a:xfrm>
+            <a:off x="5600736" y="2559069"/>
+            <a:ext cx="5680907" cy="246221"/>
+          </a:xfrm>
+          <a:prstGeom prst="rect">
+            <a:avLst/>
+          </a:prstGeom>
+          <a:noFill/>
+        </p:spPr>
+        <p:txBody>
+          <a:bodyPr wrap="square" lIns="0" tIns="0" rIns="0" bIns="0" rtlCol="0">
+            <a:spAutoFit/>
+          </a:bodyPr>
+          <a:lstStyle/>
+          <a:p>
+            <a:pPr marL="0" marR="0" lvl="0" indent="0" algn="l" defTabSz="914400" rtl="0" eaLnBrk="1" fontAlgn="auto" latinLnBrk="0" hangingPunct="1">
+              <a:lnSpc>
+                <a:spcPct val="100000"/>
+              </a:lnSpc>
+              <a:spcBef>
+                <a:spcPts val="0"/>
+              </a:spcBef>
+              <a:spcAft>
+                <a:spcPts val="0"/>
+              </a:spcAft>
+              <a:buClrTx/>
+              <a:buSzTx/>
+              <a:buFontTx/>
+              <a:buNone/>
+              <a:tabLst/>
+              <a:defRPr/>
+            </a:pPr>
+            <a:r>
+              <a:rPr kumimoji="0" lang="en-US" sz="1600" b="0" i="0" u="none" strike="noStrike" kern="1200" cap="none" spc="0" normalizeH="0" baseline="0" noProof="0">
+                <a:ln>
+                  <a:noFill/>
+                </a:ln>
+                <a:solidFill>
+                  <a:schemeClr val="tx2"/>
+                </a:solidFill>
+                <a:effectLst/>
+                <a:uLnTx/>
+                <a:uFillTx/>
+                <a:latin typeface="Segoe UI"/>
+                <a:ea typeface="+mn-ea"/>
+                <a:cs typeface="+mn-cs"/>
+              </a:rPr>
+              <a:t>Azure </a:t>
+            </a:r>
+            <a:r>
+              <a:rPr kumimoji="0" lang="en-US" sz="1600" b="0" i="0" u="none" strike="noStrike" kern="1200" cap="none" spc="0" normalizeH="0" baseline="0" noProof="0" err="1">
+                <a:ln>
+                  <a:noFill/>
+                </a:ln>
+                <a:solidFill>
+                  <a:schemeClr val="tx2"/>
+                </a:solidFill>
+                <a:effectLst/>
+                <a:uLnTx/>
+                <a:uFillTx/>
+                <a:latin typeface="Segoe UI"/>
+                <a:ea typeface="+mn-ea"/>
+                <a:cs typeface="+mn-cs"/>
+              </a:rPr>
+              <a:t>OpenAI</a:t>
+            </a:r>
+            <a:r>
+              <a:rPr kumimoji="0" lang="en-US" sz="1600" b="0" i="0" u="none" strike="noStrike" kern="1200" cap="none" spc="0" normalizeH="0" baseline="0" noProof="0">
+                <a:ln>
+                  <a:noFill/>
+                </a:ln>
+                <a:solidFill>
+                  <a:schemeClr val="tx2"/>
+                </a:solidFill>
+                <a:effectLst/>
+                <a:uLnTx/>
+                <a:uFillTx/>
+                <a:latin typeface="Segoe UI"/>
+                <a:ea typeface="+mn-ea"/>
+                <a:cs typeface="+mn-cs"/>
+              </a:rPr>
+              <a:t> Service provisioned in your Azure subscription</a:t>
+            </a:r>
+          </a:p>
+        </p:txBody>
+      </p:sp>
+      <p:sp>
+        <p:nvSpPr>
+          <p:cNvPr id="10" name="TextBox 9">
+            <a:extLst>
+              <a:ext uri="{FF2B5EF4-FFF2-40B4-BE49-F238E27FC236}">
+                <a16:creationId xmlns:a16="http://schemas.microsoft.com/office/drawing/2014/main" id="{E435AC0C-1A6A-CC17-CE1B-F57E02D8CC29}"/>
+              </a:ext>
+            </a:extLst>
+          </p:cNvPr>
+          <p:cNvSpPr txBox="1"/>
+          <p:nvPr/>
+        </p:nvSpPr>
+        <p:spPr>
+          <a:xfrm>
+            <a:off x="5600737" y="3021841"/>
+            <a:ext cx="4843803" cy="492443"/>
+          </a:xfrm>
+          <a:prstGeom prst="rect">
+            <a:avLst/>
+          </a:prstGeom>
+          <a:noFill/>
+        </p:spPr>
+        <p:txBody>
+          <a:bodyPr wrap="square" lIns="0" tIns="0" rIns="0" bIns="0" rtlCol="0">
+            <a:spAutoFit/>
+          </a:bodyPr>
+          <a:lstStyle/>
+          <a:p>
+            <a:pPr marL="0" marR="0" lvl="0" indent="0" algn="l" defTabSz="914400" rtl="0" eaLnBrk="1" fontAlgn="auto" latinLnBrk="0" hangingPunct="1">
+              <a:lnSpc>
+                <a:spcPct val="100000"/>
+              </a:lnSpc>
+              <a:spcBef>
+                <a:spcPts val="0"/>
+              </a:spcBef>
+              <a:spcAft>
+                <a:spcPts val="0"/>
+              </a:spcAft>
+              <a:buClrTx/>
+              <a:buSzTx/>
+              <a:buFontTx/>
+              <a:buNone/>
+              <a:tabLst/>
+              <a:defRPr/>
+            </a:pPr>
+            <a:r>
+              <a:rPr kumimoji="0" lang="en-US" sz="1600" b="0" i="0" u="none" strike="noStrike" kern="1200" cap="none" spc="0" normalizeH="0" baseline="0" noProof="0">
+                <a:ln>
+                  <a:noFill/>
+                </a:ln>
+                <a:solidFill>
+                  <a:schemeClr val="tx2"/>
+                </a:solidFill>
+                <a:effectLst/>
+                <a:uLnTx/>
+                <a:uFillTx/>
+                <a:latin typeface="Segoe UI"/>
+                <a:ea typeface="+mn-ea"/>
+                <a:cs typeface="+mn-cs"/>
+              </a:rPr>
+              <a:t>Model fine tuning stays in your Azure subscription and never moves into the foundation AI models </a:t>
+            </a:r>
+          </a:p>
+        </p:txBody>
+      </p:sp>
+      <p:cxnSp>
+        <p:nvCxnSpPr>
+          <p:cNvPr id="16" name="Straight Connector 15">
+            <a:extLst>
+              <a:ext uri="{FF2B5EF4-FFF2-40B4-BE49-F238E27FC236}">
+                <a16:creationId xmlns:a16="http://schemas.microsoft.com/office/drawing/2014/main" id="{E292EAF4-DCFC-7873-C8E6-C48FB93C8C12}"/>
+              </a:ext>
+              <a:ext uri="{C183D7F6-B498-43B3-948B-1728B52AA6E4}">
+                <adec:decorative xmlns:adec="http://schemas.microsoft.com/office/drawing/2017/decorative" val="1"/>
+              </a:ext>
+            </a:extLst>
+          </p:cNvPr>
+          <p:cNvCxnSpPr>
+            <a:cxnSpLocks/>
+          </p:cNvCxnSpPr>
+          <p:nvPr/>
+        </p:nvCxnSpPr>
+        <p:spPr>
+          <a:xfrm>
+            <a:off x="0" y="2206917"/>
+            <a:ext cx="10807564" cy="0"/>
+          </a:xfrm>
+          <a:prstGeom prst="line">
+            <a:avLst/>
+          </a:prstGeom>
+          <a:ln>
+            <a:headEnd type="none" w="lg" len="med"/>
+            <a:tailEnd type="none" w="lg" len="med"/>
+          </a:ln>
+        </p:spPr>
+        <p:style>
+          <a:lnRef idx="1">
+            <a:schemeClr val="accent1"/>
+          </a:lnRef>
+          <a:fillRef idx="0">
+            <a:schemeClr val="accent1"/>
+          </a:fillRef>
+          <a:effectRef idx="0">
+            <a:schemeClr val="accent1"/>
+          </a:effectRef>
+          <a:fontRef idx="minor">
+            <a:schemeClr val="tx1"/>
+          </a:fontRef>
+        </p:style>
+      </p:cxnSp>
+      <p:cxnSp>
+        <p:nvCxnSpPr>
+          <p:cNvPr id="19" name="Straight Connector 18">
+            <a:extLst>
+              <a:ext uri="{FF2B5EF4-FFF2-40B4-BE49-F238E27FC236}">
+                <a16:creationId xmlns:a16="http://schemas.microsoft.com/office/drawing/2014/main" id="{0D67B700-D2B3-B24F-6CC3-1625CE70719C}"/>
+              </a:ext>
+              <a:ext uri="{C183D7F6-B498-43B3-948B-1728B52AA6E4}">
+                <adec:decorative xmlns:adec="http://schemas.microsoft.com/office/drawing/2017/decorative" val="1"/>
+              </a:ext>
+            </a:extLst>
+          </p:cNvPr>
+          <p:cNvCxnSpPr>
+            <a:cxnSpLocks/>
+          </p:cNvCxnSpPr>
+          <p:nvPr/>
+        </p:nvCxnSpPr>
+        <p:spPr>
+          <a:xfrm>
+            <a:off x="0" y="3877857"/>
+            <a:ext cx="10807564" cy="0"/>
+          </a:xfrm>
+          <a:prstGeom prst="line">
+            <a:avLst/>
+          </a:prstGeom>
+          <a:ln>
+            <a:headEnd type="none" w="lg" len="med"/>
+            <a:tailEnd type="none" w="lg" len="med"/>
+          </a:ln>
+        </p:spPr>
+        <p:style>
+          <a:lnRef idx="1">
+            <a:schemeClr val="accent1"/>
+          </a:lnRef>
+          <a:fillRef idx="0">
+            <a:schemeClr val="accent1"/>
+          </a:fillRef>
+          <a:effectRef idx="0">
+            <a:schemeClr val="accent1"/>
+          </a:effectRef>
+          <a:fontRef idx="minor">
+            <a:schemeClr val="tx1"/>
+          </a:fontRef>
+        </p:style>
+      </p:cxnSp>
+      <p:sp>
+        <p:nvSpPr>
+          <p:cNvPr id="14" name="TextBox 13">
+            <a:extLst>
+              <a:ext uri="{FF2B5EF4-FFF2-40B4-BE49-F238E27FC236}">
+                <a16:creationId xmlns:a16="http://schemas.microsoft.com/office/drawing/2014/main" id="{8AB432F3-B845-C79B-739D-37F74439C0DF}"/>
+              </a:ext>
+            </a:extLst>
+          </p:cNvPr>
+          <p:cNvSpPr txBox="1"/>
+          <p:nvPr/>
+        </p:nvSpPr>
+        <p:spPr>
+          <a:xfrm>
+            <a:off x="5600737" y="4526740"/>
+            <a:ext cx="5016994" cy="246221"/>
+          </a:xfrm>
+          <a:prstGeom prst="rect">
+            <a:avLst/>
+          </a:prstGeom>
+          <a:noFill/>
+        </p:spPr>
+        <p:txBody>
+          <a:bodyPr wrap="square" lIns="0" tIns="0" rIns="0" bIns="0" rtlCol="0">
+            <a:spAutoFit/>
+          </a:bodyPr>
+          <a:lstStyle/>
+          <a:p>
+            <a:pPr marL="0" marR="0" lvl="0" indent="0" algn="l" defTabSz="914400" rtl="0" eaLnBrk="1" fontAlgn="auto" latinLnBrk="0" hangingPunct="1">
+              <a:lnSpc>
+                <a:spcPct val="100000"/>
+              </a:lnSpc>
+              <a:spcBef>
+                <a:spcPts val="0"/>
+              </a:spcBef>
+              <a:spcAft>
+                <a:spcPts val="0"/>
+              </a:spcAft>
+              <a:buClrTx/>
+              <a:buSzTx/>
+              <a:buFontTx/>
+              <a:buNone/>
+              <a:tabLst/>
+              <a:defRPr/>
+            </a:pPr>
+            <a:r>
+              <a:rPr kumimoji="0" lang="en-US" sz="1600" b="0" i="0" u="none" strike="noStrike" kern="1200" cap="none" spc="0" normalizeH="0" baseline="0" noProof="0">
+                <a:ln>
+                  <a:noFill/>
+                </a:ln>
+                <a:solidFill>
+                  <a:schemeClr val="tx2"/>
+                </a:solidFill>
+                <a:effectLst/>
+                <a:uLnTx/>
+                <a:uFillTx/>
+                <a:latin typeface="Segoe UI"/>
+                <a:ea typeface="+mn-ea"/>
+                <a:cs typeface="+mn-cs"/>
+              </a:rPr>
+              <a:t>Private Virtual Networks, Role Based Access Control</a:t>
+            </a:r>
+          </a:p>
+        </p:txBody>
+      </p:sp>
+      <p:sp>
+        <p:nvSpPr>
+          <p:cNvPr id="20" name="TextBox 19">
+            <a:extLst>
+              <a:ext uri="{FF2B5EF4-FFF2-40B4-BE49-F238E27FC236}">
+                <a16:creationId xmlns:a16="http://schemas.microsoft.com/office/drawing/2014/main" id="{B29DA627-6D32-049F-BF7C-DC1CA5D597B1}"/>
+              </a:ext>
+            </a:extLst>
+          </p:cNvPr>
+          <p:cNvSpPr txBox="1"/>
+          <p:nvPr/>
+        </p:nvSpPr>
+        <p:spPr>
+          <a:xfrm>
+            <a:off x="5600737" y="4079188"/>
+            <a:ext cx="5057561" cy="246221"/>
+          </a:xfrm>
+          <a:prstGeom prst="rect">
+            <a:avLst/>
+          </a:prstGeom>
+          <a:noFill/>
+        </p:spPr>
+        <p:txBody>
+          <a:bodyPr wrap="square" lIns="0" tIns="0" rIns="0" bIns="0" rtlCol="0">
+            <a:spAutoFit/>
+          </a:bodyPr>
+          <a:lstStyle/>
+          <a:p>
+            <a:pPr marL="0" marR="0" lvl="0" indent="0" algn="l" defTabSz="914400" rtl="0" eaLnBrk="1" fontAlgn="auto" latinLnBrk="0" hangingPunct="1">
+              <a:lnSpc>
+                <a:spcPct val="100000"/>
+              </a:lnSpc>
+              <a:spcBef>
+                <a:spcPts val="0"/>
+              </a:spcBef>
+              <a:spcAft>
+                <a:spcPts val="0"/>
+              </a:spcAft>
+              <a:buClrTx/>
+              <a:buSzTx/>
+              <a:buFontTx/>
+              <a:buNone/>
+              <a:tabLst/>
+              <a:defRPr/>
+            </a:pPr>
+            <a:r>
+              <a:rPr kumimoji="0" lang="en-US" sz="1600" b="0" i="0" u="none" strike="noStrike" kern="1200" cap="none" spc="0" normalizeH="0" baseline="0" noProof="0">
+                <a:ln>
+                  <a:noFill/>
+                </a:ln>
+                <a:solidFill>
+                  <a:schemeClr val="tx2"/>
+                </a:solidFill>
+                <a:effectLst/>
+                <a:uLnTx/>
+                <a:uFillTx/>
+                <a:latin typeface="Segoe UI"/>
+                <a:ea typeface="+mn-ea"/>
+                <a:cs typeface="+mn-cs"/>
+              </a:rPr>
+              <a:t>Encrypted with Customer Managed Keys </a:t>
+            </a:r>
+          </a:p>
+        </p:txBody>
+      </p:sp>
+      <p:sp>
+        <p:nvSpPr>
+          <p:cNvPr id="21" name="TextBox 20">
+            <a:extLst>
+              <a:ext uri="{FF2B5EF4-FFF2-40B4-BE49-F238E27FC236}">
+                <a16:creationId xmlns:a16="http://schemas.microsoft.com/office/drawing/2014/main" id="{5A61C9E8-8375-8793-F3AA-09D6944CB448}"/>
+              </a:ext>
+            </a:extLst>
+          </p:cNvPr>
+          <p:cNvSpPr txBox="1"/>
+          <p:nvPr/>
+        </p:nvSpPr>
+        <p:spPr>
+          <a:xfrm>
+            <a:off x="5600737" y="4951906"/>
+            <a:ext cx="5057561" cy="246221"/>
+          </a:xfrm>
+          <a:prstGeom prst="rect">
+            <a:avLst/>
+          </a:prstGeom>
+          <a:noFill/>
+        </p:spPr>
+        <p:txBody>
+          <a:bodyPr wrap="square" lIns="0" tIns="0" rIns="0" bIns="0" rtlCol="0">
+            <a:spAutoFit/>
+          </a:bodyPr>
+          <a:lstStyle/>
+          <a:p>
+            <a:pPr marL="0" marR="0" lvl="0" indent="0" algn="l" defTabSz="914400" rtl="0" eaLnBrk="1" fontAlgn="auto" latinLnBrk="0" hangingPunct="1">
+              <a:lnSpc>
+                <a:spcPct val="100000"/>
+              </a:lnSpc>
+              <a:spcBef>
+                <a:spcPts val="0"/>
+              </a:spcBef>
+              <a:spcAft>
+                <a:spcPts val="0"/>
+              </a:spcAft>
+              <a:buClrTx/>
+              <a:buSzTx/>
+              <a:buFontTx/>
+              <a:buNone/>
+              <a:tabLst/>
+              <a:defRPr/>
+            </a:pPr>
+            <a:r>
+              <a:rPr kumimoji="0" lang="en-US" sz="1600" b="0" i="0" u="none" strike="noStrike" kern="1200" cap="none" spc="0" normalizeH="0" baseline="0" noProof="0">
+                <a:ln>
+                  <a:noFill/>
+                </a:ln>
+                <a:solidFill>
+                  <a:schemeClr val="tx2"/>
+                </a:solidFill>
+                <a:effectLst/>
+                <a:uLnTx/>
+                <a:uFillTx/>
+                <a:latin typeface="Segoe UI"/>
+                <a:ea typeface="+mn-ea"/>
+                <a:cs typeface="+mn-cs"/>
+              </a:rPr>
+              <a:t>Soc2, ISO, HIPPA, CSA STAR Compliant</a:t>
+            </a:r>
+          </a:p>
+        </p:txBody>
+      </p:sp>
+      <p:sp>
+        <p:nvSpPr>
+          <p:cNvPr id="6" name="Title 5">
+            <a:extLst>
+              <a:ext uri="{FF2B5EF4-FFF2-40B4-BE49-F238E27FC236}">
+                <a16:creationId xmlns:a16="http://schemas.microsoft.com/office/drawing/2014/main" id="{28ADB20E-5087-0FFF-CEC2-7EFAEB7CCD42}"/>
+              </a:ext>
+            </a:extLst>
+          </p:cNvPr>
+          <p:cNvSpPr txBox="1">
+            <a:spLocks noGrp="1"/>
+          </p:cNvSpPr>
+          <p:nvPr>
+            <p:ph type="title" idx="4294967295"/>
+          </p:nvPr>
+        </p:nvSpPr>
+        <p:spPr>
+          <a:xfrm>
+            <a:off x="31804" y="1578523"/>
+            <a:ext cx="3490434" cy="369332"/>
+          </a:xfrm>
+          <a:prstGeom prst="rect">
+            <a:avLst/>
+          </a:prstGeom>
+          <a:noFill/>
+          <a:ln>
+            <a:noFill/>
+            <a:prstDash/>
+          </a:ln>
+          <a:effectLst/>
+        </p:spPr>
+        <p:txBody>
+          <a:bodyPr rot="0" spcFirstLastPara="0" vertOverflow="overflow" horzOverflow="overflow" vert="horz" wrap="square" lIns="0" tIns="0" rIns="0" bIns="0" numCol="1" spcCol="0" rtlCol="0" fromWordArt="0" anchor="t" anchorCtr="0" forceAA="0" compatLnSpc="1">
+            <a:prstTxWarp prst="textNoShape">
+              <a:avLst/>
+            </a:prstTxWarp>
+            <a:spAutoFit/>
+          </a:bodyPr>
+          <a:lstStyle>
+            <a:defPPr>
+              <a:defRPr lang="en-US"/>
+            </a:defPPr>
+            <a:lvl1pPr>
+              <a:defRPr sz="2400" spc="-50">
+                <a:ln w="3175">
+                  <a:noFill/>
+                </a:ln>
+                <a:gradFill>
+                  <a:gsLst>
+                    <a:gs pos="0">
+                      <a:srgbClr val="FFFFFF"/>
+                    </a:gs>
+                    <a:gs pos="100000">
+                      <a:srgbClr val="FFFFFF"/>
+                    </a:gs>
+                  </a:gsLst>
+                  <a:lin ang="5400000" scaled="1"/>
+                </a:gradFill>
+                <a:latin typeface="+mj-lt"/>
+                <a:ea typeface="+mj-lt"/>
+                <a:cs typeface="Segoe UI Semibold"/>
+              </a:defRPr>
+            </a:lvl1pPr>
+          </a:lstStyle>
+          <a:p>
+            <a:pPr marL="0" marR="0" lvl="0" indent="0" algn="l" defTabSz="914400" rtl="0" eaLnBrk="1" fontAlgn="auto" latinLnBrk="0" hangingPunct="1">
+              <a:lnSpc>
+                <a:spcPct val="100000"/>
+              </a:lnSpc>
+              <a:spcBef>
+                <a:spcPts val="0"/>
+              </a:spcBef>
+              <a:spcAft>
+                <a:spcPts val="1800"/>
+              </a:spcAft>
+              <a:buClrTx/>
+              <a:buSzTx/>
+              <a:buFontTx/>
+              <a:buNone/>
+              <a:tabLst/>
+              <a:defRPr/>
+            </a:pPr>
+            <a:r>
+              <a:rPr kumimoji="0" lang="en-US" sz="2400" b="0" i="0" u="none" strike="noStrike" kern="1200" cap="none" spc="-50" normalizeH="0" baseline="0" noProof="0" dirty="0">
+                <a:ln w="3175">
+                  <a:noFill/>
+                </a:ln>
+                <a:solidFill>
+                  <a:schemeClr val="tx2"/>
+                </a:solidFill>
+                <a:effectLst/>
+                <a:uLnTx/>
+                <a:uFillTx/>
+                <a:latin typeface="Segoe UI Semibold"/>
+                <a:ea typeface="+mj-lt"/>
+                <a:cs typeface="Segoe UI Semibold"/>
+              </a:rPr>
+              <a:t>Your data is your data</a:t>
+            </a:r>
+          </a:p>
+        </p:txBody>
+      </p:sp>
+      <p:cxnSp>
+        <p:nvCxnSpPr>
+          <p:cNvPr id="11" name="Straight Connector 10">
+            <a:extLst>
+              <a:ext uri="{FF2B5EF4-FFF2-40B4-BE49-F238E27FC236}">
+                <a16:creationId xmlns:a16="http://schemas.microsoft.com/office/drawing/2014/main" id="{536D6352-143D-C428-E027-9C85596CD126}"/>
+              </a:ext>
+              <a:ext uri="{C183D7F6-B498-43B3-948B-1728B52AA6E4}">
+                <adec:decorative xmlns:adec="http://schemas.microsoft.com/office/drawing/2017/decorative" val="1"/>
+              </a:ext>
+            </a:extLst>
+          </p:cNvPr>
+          <p:cNvCxnSpPr>
+            <a:cxnSpLocks/>
+          </p:cNvCxnSpPr>
+          <p:nvPr/>
+        </p:nvCxnSpPr>
+        <p:spPr>
+          <a:xfrm>
+            <a:off x="1834603" y="1917386"/>
+            <a:ext cx="418036" cy="0"/>
+          </a:xfrm>
+          <a:prstGeom prst="line">
+            <a:avLst/>
+          </a:prstGeom>
+          <a:ln w="19050" cap="rnd">
+            <a:gradFill flip="none" rotWithShape="1">
+              <a:gsLst>
+                <a:gs pos="0">
+                  <a:srgbClr val="8EC8E8"/>
+                </a:gs>
+                <a:gs pos="100000">
+                  <a:srgbClr val="CD9AD0"/>
+                </a:gs>
+              </a:gsLst>
+              <a:lin ang="0" scaled="1"/>
+              <a:tileRect/>
+            </a:gradFill>
+            <a:headEnd type="none" w="lg" len="med"/>
+            <a:tailEnd type="none" w="lg" len="med"/>
+          </a:ln>
+        </p:spPr>
+        <p:style>
+          <a:lnRef idx="1">
+            <a:schemeClr val="accent1"/>
+          </a:lnRef>
+          <a:fillRef idx="0">
+            <a:schemeClr val="accent1"/>
+          </a:fillRef>
+          <a:effectRef idx="0">
+            <a:schemeClr val="accent1"/>
+          </a:effectRef>
+          <a:fontRef idx="minor">
+            <a:schemeClr val="tx1"/>
+          </a:fontRef>
+        </p:style>
+      </p:cxnSp>
+      <p:cxnSp>
+        <p:nvCxnSpPr>
+          <p:cNvPr id="15" name="Straight Connector 14">
+            <a:extLst>
+              <a:ext uri="{FF2B5EF4-FFF2-40B4-BE49-F238E27FC236}">
+                <a16:creationId xmlns:a16="http://schemas.microsoft.com/office/drawing/2014/main" id="{87A98CBE-AD9E-FE6D-F929-E4543BD63E7D}"/>
+              </a:ext>
+              <a:ext uri="{C183D7F6-B498-43B3-948B-1728B52AA6E4}">
+                <adec:decorative xmlns:adec="http://schemas.microsoft.com/office/drawing/2017/decorative" val="1"/>
+              </a:ext>
+            </a:extLst>
+          </p:cNvPr>
+          <p:cNvCxnSpPr>
+            <a:cxnSpLocks/>
+          </p:cNvCxnSpPr>
+          <p:nvPr/>
+        </p:nvCxnSpPr>
+        <p:spPr>
+          <a:xfrm>
+            <a:off x="356433" y="3119464"/>
+            <a:ext cx="432079" cy="0"/>
+          </a:xfrm>
+          <a:prstGeom prst="line">
+            <a:avLst/>
+          </a:prstGeom>
+          <a:ln w="19050" cap="rnd">
+            <a:gradFill flip="none" rotWithShape="1">
+              <a:gsLst>
+                <a:gs pos="0">
+                  <a:srgbClr val="8EC8E8"/>
+                </a:gs>
+                <a:gs pos="100000">
+                  <a:srgbClr val="CD9AD0"/>
+                </a:gs>
+              </a:gsLst>
+              <a:lin ang="0" scaled="1"/>
+              <a:tileRect/>
+            </a:gradFill>
+            <a:headEnd type="none" w="lg" len="med"/>
+            <a:tailEnd type="none" w="lg" len="med"/>
+          </a:ln>
+        </p:spPr>
+        <p:style>
+          <a:lnRef idx="1">
+            <a:schemeClr val="accent1"/>
+          </a:lnRef>
+          <a:fillRef idx="0">
+            <a:schemeClr val="accent1"/>
+          </a:fillRef>
+          <a:effectRef idx="0">
+            <a:schemeClr val="accent1"/>
+          </a:effectRef>
+          <a:fontRef idx="minor">
+            <a:schemeClr val="tx1"/>
+          </a:fontRef>
+        </p:style>
+      </p:cxnSp>
+      <p:sp>
+        <p:nvSpPr>
+          <p:cNvPr id="23" name="TextBox 22">
+            <a:extLst>
+              <a:ext uri="{FF2B5EF4-FFF2-40B4-BE49-F238E27FC236}">
+                <a16:creationId xmlns:a16="http://schemas.microsoft.com/office/drawing/2014/main" id="{6439D523-051E-4312-4BF3-22D7E1B9D8C8}"/>
+              </a:ext>
+            </a:extLst>
+          </p:cNvPr>
+          <p:cNvSpPr txBox="1"/>
+          <p:nvPr/>
+        </p:nvSpPr>
+        <p:spPr>
+          <a:xfrm>
+            <a:off x="31804" y="2371028"/>
+            <a:ext cx="4268267" cy="1200329"/>
+          </a:xfrm>
+          <a:prstGeom prst="rect">
+            <a:avLst/>
+          </a:prstGeom>
+          <a:noFill/>
+        </p:spPr>
+        <p:txBody>
+          <a:bodyPr wrap="square" lIns="0" tIns="45720" rIns="91440" bIns="45720" anchor="t">
+            <a:spAutoFit/>
+          </a:bodyPr>
+          <a:lstStyle/>
+          <a:p>
+            <a:pPr marL="0" marR="0" lvl="0" indent="0" algn="l" defTabSz="914400" rtl="0" eaLnBrk="1" fontAlgn="auto" latinLnBrk="0" hangingPunct="1">
+              <a:lnSpc>
+                <a:spcPct val="100000"/>
+              </a:lnSpc>
+              <a:spcBef>
+                <a:spcPts val="0"/>
+              </a:spcBef>
+              <a:spcAft>
+                <a:spcPts val="1800"/>
+              </a:spcAft>
+              <a:buClrTx/>
+              <a:buSzTx/>
+              <a:buFontTx/>
+              <a:buNone/>
+              <a:tabLst/>
+              <a:defRPr/>
+            </a:pPr>
+            <a:r>
+              <a:rPr kumimoji="0" lang="en-US" sz="2400" b="0" i="0" u="none" strike="noStrike" kern="1200" cap="none" spc="-50" normalizeH="0" baseline="0" noProof="0" dirty="0">
+                <a:ln w="3175">
+                  <a:noFill/>
+                </a:ln>
+                <a:solidFill>
+                  <a:schemeClr val="tx2"/>
+                </a:solidFill>
+                <a:effectLst/>
+                <a:uLnTx/>
+                <a:uFillTx/>
+                <a:latin typeface="Segoe UI Semibold"/>
+                <a:ea typeface="+mj-lt"/>
+                <a:cs typeface="Segoe UI Semibold"/>
+              </a:rPr>
+              <a:t>Your data from any fine-tuning </a:t>
+            </a:r>
+            <a:br>
+              <a:rPr kumimoji="0" lang="en-US" sz="2400" b="0" i="0" u="none" strike="noStrike" kern="1200" cap="none" spc="-50" normalizeH="0" baseline="0" noProof="0" dirty="0">
+                <a:ln w="3175">
+                  <a:noFill/>
+                </a:ln>
+                <a:solidFill>
+                  <a:schemeClr val="tx2"/>
+                </a:solidFill>
+                <a:effectLst/>
+                <a:uLnTx/>
+                <a:uFillTx/>
+                <a:latin typeface="Segoe UI Semibold"/>
+                <a:ea typeface="+mj-lt"/>
+                <a:cs typeface="Segoe UI Semibold"/>
+              </a:rPr>
+            </a:br>
+            <a:r>
+              <a:rPr kumimoji="0" lang="en-US" sz="2400" b="0" i="0" u="none" strike="noStrike" kern="1200" cap="none" spc="-50" normalizeH="0" baseline="0" noProof="0" dirty="0">
+                <a:ln w="3175">
+                  <a:noFill/>
+                </a:ln>
+                <a:solidFill>
+                  <a:schemeClr val="tx2"/>
+                </a:solidFill>
+                <a:effectLst/>
+                <a:uLnTx/>
+                <a:uFillTx/>
+                <a:latin typeface="Segoe UI Semibold"/>
+                <a:ea typeface="+mj-lt"/>
+                <a:cs typeface="Segoe UI Semibold"/>
+              </a:rPr>
+              <a:t>is not</a:t>
+            </a:r>
+            <a:r>
+              <a:rPr kumimoji="0" lang="en-US" sz="1800" b="0" i="0" u="none" strike="noStrike" kern="1200" cap="none" spc="-50" normalizeH="0" baseline="0" noProof="0" dirty="0">
+                <a:ln w="3175">
+                  <a:noFill/>
+                </a:ln>
+                <a:solidFill>
+                  <a:schemeClr val="tx2"/>
+                </a:solidFill>
+                <a:effectLst/>
+                <a:uLnTx/>
+                <a:uFillTx/>
+                <a:latin typeface="Segoe UI Semibold"/>
+                <a:ea typeface="+mn-ea"/>
+                <a:cs typeface="Segoe UI Semibold"/>
+              </a:rPr>
+              <a:t> </a:t>
+            </a:r>
+            <a:r>
+              <a:rPr kumimoji="0" lang="en-US" sz="2400" b="0" i="0" u="none" strike="noStrike" kern="1200" cap="none" spc="-50" normalizeH="0" baseline="0" noProof="0" dirty="0">
+                <a:ln w="3175">
+                  <a:noFill/>
+                </a:ln>
+                <a:solidFill>
+                  <a:schemeClr val="tx2"/>
+                </a:solidFill>
+                <a:effectLst/>
+                <a:uLnTx/>
+                <a:uFillTx/>
+                <a:latin typeface="Segoe UI Semibold"/>
+                <a:ea typeface="+mj-lt"/>
+                <a:cs typeface="Segoe UI Semibold"/>
+              </a:rPr>
+              <a:t>used to train the foundation AI models</a:t>
+            </a:r>
+          </a:p>
+        </p:txBody>
+      </p:sp>
+      <p:grpSp>
+        <p:nvGrpSpPr>
+          <p:cNvPr id="36" name="Group 35" descr="Microsoft Cloud runs on trust ">
+            <a:extLst>
+              <a:ext uri="{FF2B5EF4-FFF2-40B4-BE49-F238E27FC236}">
+                <a16:creationId xmlns:a16="http://schemas.microsoft.com/office/drawing/2014/main" id="{CB64F945-1BE8-3F43-A4DB-18B32866D449}"/>
+              </a:ext>
+            </a:extLst>
+          </p:cNvPr>
+          <p:cNvGrpSpPr/>
+          <p:nvPr/>
+        </p:nvGrpSpPr>
+        <p:grpSpPr>
+          <a:xfrm>
+            <a:off x="66107" y="63608"/>
+            <a:ext cx="4586324" cy="941544"/>
+            <a:chOff x="637360" y="508569"/>
+            <a:chExt cx="4586324" cy="941544"/>
+          </a:xfrm>
+        </p:grpSpPr>
+        <p:sp>
+          <p:nvSpPr>
+            <p:cNvPr id="25" name="Title 14">
+              <a:extLst>
+                <a:ext uri="{FF2B5EF4-FFF2-40B4-BE49-F238E27FC236}">
+                  <a16:creationId xmlns:a16="http://schemas.microsoft.com/office/drawing/2014/main" id="{0ADCDDFB-2BBC-E088-080A-449120C938D4}"/>
+                </a:ext>
+              </a:extLst>
+            </p:cNvPr>
+            <p:cNvSpPr txBox="1">
+              <a:spLocks/>
+            </p:cNvSpPr>
+            <p:nvPr/>
+          </p:nvSpPr>
+          <p:spPr>
+            <a:xfrm>
+              <a:off x="637360" y="508569"/>
+              <a:ext cx="4586324" cy="443198"/>
+            </a:xfrm>
+            <a:prstGeom prst="rect">
+              <a:avLst/>
+            </a:prstGeom>
+            <a:noFill/>
+            <a:ln>
+              <a:noFill/>
+              <a:prstDash/>
+            </a:ln>
+            <a:effectLst/>
+          </p:spPr>
+          <p:txBody>
+            <a:bodyPr rot="0" spcFirstLastPara="0" vertOverflow="overflow" horzOverflow="overflow" vert="horz" wrap="square" lIns="0" tIns="0" rIns="0" bIns="0" numCol="1" spcCol="0" rtlCol="0" fromWordArt="0" anchor="t" anchorCtr="0" forceAA="0" compatLnSpc="1">
+              <a:prstTxWarp prst="textNoShape">
+                <a:avLst/>
+              </a:prstTxWarp>
+              <a:spAutoFit/>
+            </a:bodyPr>
+            <a:lstStyle>
+              <a:lvl1pPr algn="l" defTabSz="932742" rtl="0" eaLnBrk="1" latinLnBrk="0" hangingPunct="1">
+                <a:lnSpc>
+                  <a:spcPct val="100000"/>
+                </a:lnSpc>
+                <a:spcBef>
+                  <a:spcPct val="0"/>
+                </a:spcBef>
+                <a:buNone/>
+                <a:defRPr lang="en-US" sz="3600" b="0" kern="1200" cap="none" spc="-50" baseline="0" dirty="0" smtClean="0">
+                  <a:ln w="3175">
+                    <a:noFill/>
+                  </a:ln>
+                  <a:solidFill>
+                    <a:schemeClr val="tx1"/>
+                  </a:solidFill>
+                  <a:effectLst/>
+                  <a:latin typeface="+mj-lt"/>
+                  <a:ea typeface="+mn-ea"/>
+                  <a:cs typeface="Segoe UI" pitchFamily="34" charset="0"/>
+                </a:defRPr>
+              </a:lvl1pPr>
+            </a:lstStyle>
+            <a:p>
+              <a:pPr marL="0" marR="0" lvl="0" indent="0" algn="l" defTabSz="797999" rtl="0" eaLnBrk="1" fontAlgn="base" latinLnBrk="0" hangingPunct="1">
+                <a:lnSpc>
+                  <a:spcPct val="90000"/>
+                </a:lnSpc>
+                <a:spcBef>
+                  <a:spcPct val="0"/>
+                </a:spcBef>
+                <a:spcAft>
+                  <a:spcPct val="0"/>
+                </a:spcAft>
+                <a:buClrTx/>
+                <a:buSzTx/>
+                <a:buFontTx/>
+                <a:buNone/>
+                <a:tabLst>
+                  <a:tab pos="920876" algn="l"/>
+                </a:tabLst>
+                <a:defRPr/>
+              </a:pPr>
+              <a:r>
+                <a:rPr kumimoji="0" lang="en-CA" sz="3200" b="0" i="0" u="none" strike="noStrike" kern="1200" cap="none" spc="-50" normalizeH="0" baseline="0" noProof="0">
+                  <a:ln w="3175">
+                    <a:noFill/>
+                  </a:ln>
+                  <a:solidFill>
+                    <a:schemeClr val="tx2"/>
+                  </a:solidFill>
+                  <a:effectLst/>
+                  <a:uLnTx/>
+                  <a:uFillTx/>
+                  <a:latin typeface="Segoe UI Semibold"/>
+                  <a:ea typeface="+mn-ea"/>
+                  <a:cs typeface="Segoe UI" pitchFamily="34" charset="0"/>
+                </a:rPr>
+                <a:t>Microsoft Azure Cloud</a:t>
+              </a:r>
+            </a:p>
+          </p:txBody>
+        </p:sp>
+        <p:sp>
+          <p:nvSpPr>
+            <p:cNvPr id="26" name="Title 14">
+              <a:extLst>
+                <a:ext uri="{FF2B5EF4-FFF2-40B4-BE49-F238E27FC236}">
+                  <a16:creationId xmlns:a16="http://schemas.microsoft.com/office/drawing/2014/main" id="{38783F9C-7059-859A-1382-54EAAA300742}"/>
+                </a:ext>
+              </a:extLst>
+            </p:cNvPr>
+            <p:cNvSpPr txBox="1">
+              <a:spLocks/>
+            </p:cNvSpPr>
+            <p:nvPr/>
+          </p:nvSpPr>
+          <p:spPr>
+            <a:xfrm>
+              <a:off x="637360" y="1062315"/>
+              <a:ext cx="3898541" cy="387798"/>
+            </a:xfrm>
+            <a:prstGeom prst="rect">
+              <a:avLst/>
+            </a:prstGeom>
+            <a:noFill/>
+            <a:ln>
+              <a:noFill/>
+              <a:prstDash/>
+            </a:ln>
+            <a:effectLst/>
+          </p:spPr>
+          <p:txBody>
+            <a:bodyPr rot="0" spcFirstLastPara="0" vertOverflow="overflow" horzOverflow="overflow" vert="horz" wrap="square" lIns="0" tIns="0" rIns="0" bIns="0" numCol="1" spcCol="0" rtlCol="0" fromWordArt="0" anchor="t" anchorCtr="0" forceAA="0" compatLnSpc="1">
+              <a:prstTxWarp prst="textNoShape">
+                <a:avLst/>
+              </a:prstTxWarp>
+              <a:spAutoFit/>
+            </a:bodyPr>
+            <a:lstStyle>
+              <a:lvl1pPr algn="l" defTabSz="932742" rtl="0" eaLnBrk="1" latinLnBrk="0" hangingPunct="1">
+                <a:lnSpc>
+                  <a:spcPct val="100000"/>
+                </a:lnSpc>
+                <a:spcBef>
+                  <a:spcPct val="0"/>
+                </a:spcBef>
+                <a:buNone/>
+                <a:defRPr lang="en-US" sz="3600" b="0" kern="1200" cap="none" spc="-50" baseline="0" dirty="0" smtClean="0">
+                  <a:ln w="3175">
+                    <a:noFill/>
+                  </a:ln>
+                  <a:solidFill>
+                    <a:schemeClr val="tx1"/>
+                  </a:solidFill>
+                  <a:effectLst/>
+                  <a:latin typeface="+mj-lt"/>
+                  <a:ea typeface="+mn-ea"/>
+                  <a:cs typeface="Segoe UI" pitchFamily="34" charset="0"/>
+                </a:defRPr>
+              </a:lvl1pPr>
+            </a:lstStyle>
+            <a:p>
+              <a:pPr marL="0" marR="0" lvl="0" indent="0" algn="l" defTabSz="797999" rtl="0" eaLnBrk="1" fontAlgn="base" latinLnBrk="0" hangingPunct="1">
+                <a:lnSpc>
+                  <a:spcPct val="90000"/>
+                </a:lnSpc>
+                <a:spcBef>
+                  <a:spcPct val="0"/>
+                </a:spcBef>
+                <a:spcAft>
+                  <a:spcPct val="0"/>
+                </a:spcAft>
+                <a:buClrTx/>
+                <a:buSzTx/>
+                <a:buFontTx/>
+                <a:buNone/>
+                <a:tabLst>
+                  <a:tab pos="920876" algn="l"/>
+                </a:tabLst>
+                <a:defRPr/>
+              </a:pPr>
+              <a:r>
+                <a:rPr kumimoji="0" lang="en-CA" sz="2800" b="0" i="0" u="none" strike="noStrike" kern="1200" cap="none" spc="-50" normalizeH="0" baseline="0" noProof="0">
+                  <a:ln>
+                    <a:noFill/>
+                  </a:ln>
+                  <a:solidFill>
+                    <a:schemeClr val="tx2"/>
+                  </a:solidFill>
+                  <a:effectLst/>
+                  <a:uLnTx/>
+                  <a:uFillTx/>
+                  <a:latin typeface="Segoe UI Semibold"/>
+                  <a:ea typeface="+mn-ea"/>
+                  <a:cs typeface="Segoe UI Semibold" panose="020B0702040204020203" pitchFamily="34" charset="0"/>
+                </a:rPr>
+                <a:t>Runs on trust</a:t>
+              </a:r>
+            </a:p>
+          </p:txBody>
+        </p:sp>
+      </p:grpSp>
+      <p:cxnSp>
+        <p:nvCxnSpPr>
+          <p:cNvPr id="17" name="Straight Connector 16">
+            <a:extLst>
+              <a:ext uri="{FF2B5EF4-FFF2-40B4-BE49-F238E27FC236}">
+                <a16:creationId xmlns:a16="http://schemas.microsoft.com/office/drawing/2014/main" id="{90DB56CD-E405-655B-4F5D-F6004CC98ACB}"/>
+              </a:ext>
+              <a:ext uri="{C183D7F6-B498-43B3-948B-1728B52AA6E4}">
+                <adec:decorative xmlns:adec="http://schemas.microsoft.com/office/drawing/2017/decorative" val="1"/>
+              </a:ext>
+            </a:extLst>
+          </p:cNvPr>
+          <p:cNvCxnSpPr>
+            <a:cxnSpLocks/>
+          </p:cNvCxnSpPr>
+          <p:nvPr/>
+        </p:nvCxnSpPr>
+        <p:spPr>
+          <a:xfrm>
+            <a:off x="1744294" y="4423257"/>
+            <a:ext cx="1180372" cy="0"/>
+          </a:xfrm>
+          <a:prstGeom prst="line">
+            <a:avLst/>
+          </a:prstGeom>
+          <a:ln w="19050" cap="rnd">
+            <a:gradFill flip="none" rotWithShape="1">
+              <a:gsLst>
+                <a:gs pos="0">
+                  <a:srgbClr val="8EC8E8"/>
+                </a:gs>
+                <a:gs pos="100000">
+                  <a:srgbClr val="CD9AD0"/>
+                </a:gs>
+              </a:gsLst>
+              <a:lin ang="0" scaled="1"/>
+              <a:tileRect/>
+            </a:gradFill>
+            <a:headEnd type="none" w="lg" len="med"/>
+            <a:tailEnd type="none" w="lg" len="med"/>
+          </a:ln>
+        </p:spPr>
+        <p:style>
+          <a:lnRef idx="1">
+            <a:schemeClr val="accent1"/>
+          </a:lnRef>
+          <a:fillRef idx="0">
+            <a:schemeClr val="accent1"/>
+          </a:fillRef>
+          <a:effectRef idx="0">
+            <a:schemeClr val="accent1"/>
+          </a:effectRef>
+          <a:fontRef idx="minor">
+            <a:schemeClr val="tx1"/>
+          </a:fontRef>
+        </p:style>
+      </p:cxnSp>
+      <p:sp>
+        <p:nvSpPr>
+          <p:cNvPr id="18" name="TextBox 17">
+            <a:extLst>
+              <a:ext uri="{FF2B5EF4-FFF2-40B4-BE49-F238E27FC236}">
+                <a16:creationId xmlns:a16="http://schemas.microsoft.com/office/drawing/2014/main" id="{B7C29647-8B43-B439-D0C5-67E406CEA090}"/>
+              </a:ext>
+            </a:extLst>
+          </p:cNvPr>
+          <p:cNvSpPr txBox="1"/>
+          <p:nvPr/>
+        </p:nvSpPr>
+        <p:spPr>
+          <a:xfrm>
+            <a:off x="31804" y="4038493"/>
+            <a:ext cx="5057560" cy="1200329"/>
+          </a:xfrm>
+          <a:prstGeom prst="rect">
+            <a:avLst/>
+          </a:prstGeom>
+          <a:noFill/>
+        </p:spPr>
+        <p:txBody>
+          <a:bodyPr wrap="square" lIns="0">
+            <a:spAutoFit/>
+          </a:bodyPr>
+          <a:lstStyle/>
+          <a:p>
+            <a:pPr marL="0" marR="0" lvl="0" indent="0" algn="l" defTabSz="914400" rtl="0" eaLnBrk="1" fontAlgn="auto" latinLnBrk="0" hangingPunct="1">
+              <a:lnSpc>
+                <a:spcPct val="100000"/>
+              </a:lnSpc>
+              <a:spcBef>
+                <a:spcPts val="0"/>
+              </a:spcBef>
+              <a:spcAft>
+                <a:spcPts val="1800"/>
+              </a:spcAft>
+              <a:buClrTx/>
+              <a:buSzTx/>
+              <a:buFontTx/>
+              <a:buNone/>
+              <a:tabLst/>
+              <a:defRPr/>
+            </a:pPr>
+            <a:r>
+              <a:rPr kumimoji="0" lang="en-US" sz="2400" b="0" i="0" u="none" strike="noStrike" kern="1200" cap="none" spc="-50" normalizeH="0" baseline="0" noProof="0" dirty="0">
+                <a:ln w="3175">
+                  <a:noFill/>
+                </a:ln>
+                <a:solidFill>
+                  <a:schemeClr val="tx2"/>
+                </a:solidFill>
+                <a:effectLst/>
+                <a:uLnTx/>
+                <a:uFillTx/>
+                <a:latin typeface="Segoe UI Semibold"/>
+                <a:ea typeface="+mj-lt"/>
+                <a:cs typeface="Segoe UI Semibold"/>
+              </a:rPr>
+              <a:t>Your data is protected</a:t>
+            </a:r>
+            <a:r>
+              <a:rPr kumimoji="0" lang="en-US" sz="1800" b="0" i="0" u="none" strike="noStrike" kern="1200" cap="none" spc="0" normalizeH="0" baseline="0" noProof="0" dirty="0">
+                <a:ln>
+                  <a:noFill/>
+                </a:ln>
+                <a:solidFill>
+                  <a:schemeClr val="tx2"/>
+                </a:solidFill>
+                <a:effectLst/>
+                <a:uLnTx/>
+                <a:uFillTx/>
+                <a:latin typeface="Segoe UI Semibold"/>
+                <a:ea typeface="+mn-ea"/>
+                <a:cs typeface="+mn-cs"/>
+              </a:rPr>
+              <a:t> </a:t>
+            </a:r>
+            <a:r>
+              <a:rPr kumimoji="0" lang="en-US" sz="2400" b="0" i="0" u="none" strike="noStrike" kern="1200" cap="none" spc="-50" normalizeH="0" baseline="0" noProof="0" dirty="0">
+                <a:ln w="3175">
+                  <a:noFill/>
+                </a:ln>
+                <a:solidFill>
+                  <a:schemeClr val="tx2"/>
+                </a:solidFill>
+                <a:effectLst/>
+                <a:uLnTx/>
+                <a:uFillTx/>
+                <a:latin typeface="Segoe UI Semibold"/>
+                <a:ea typeface="+mj-lt"/>
+                <a:cs typeface="Segoe UI Semibold"/>
+              </a:rPr>
+              <a:t>by </a:t>
+            </a:r>
+            <a:br>
+              <a:rPr kumimoji="0" lang="en-US" sz="2400" b="0" i="0" u="none" strike="noStrike" kern="1200" cap="none" spc="-50" normalizeH="0" baseline="0" noProof="0" dirty="0">
+                <a:ln w="3175">
+                  <a:noFill/>
+                </a:ln>
+                <a:solidFill>
+                  <a:schemeClr val="tx2"/>
+                </a:solidFill>
+                <a:effectLst/>
+                <a:uLnTx/>
+                <a:uFillTx/>
+                <a:latin typeface="Segoe UI Semibold"/>
+                <a:ea typeface="+mj-lt"/>
+                <a:cs typeface="Segoe UI Semibold"/>
+              </a:rPr>
+            </a:br>
+            <a:r>
+              <a:rPr kumimoji="0" lang="en-US" sz="2400" b="0" i="0" u="none" strike="noStrike" kern="1200" cap="none" spc="-50" normalizeH="0" baseline="0" noProof="0" dirty="0">
+                <a:ln w="3175">
+                  <a:noFill/>
+                </a:ln>
+                <a:solidFill>
+                  <a:schemeClr val="tx2"/>
+                </a:solidFill>
+                <a:effectLst/>
+                <a:uLnTx/>
+                <a:uFillTx/>
+                <a:latin typeface="Segoe UI Semibold"/>
+                <a:ea typeface="+mj-lt"/>
+                <a:cs typeface="Segoe UI Semibold"/>
+              </a:rPr>
+              <a:t>the most comprehensive enterprise compliance and security controls</a:t>
+            </a:r>
+          </a:p>
+        </p:txBody>
+      </p:sp>
+      <p:sp>
+        <p:nvSpPr>
+          <p:cNvPr id="7" name="TextBox 6">
+            <a:extLst>
+              <a:ext uri="{FF2B5EF4-FFF2-40B4-BE49-F238E27FC236}">
+                <a16:creationId xmlns:a16="http://schemas.microsoft.com/office/drawing/2014/main" id="{2ACAE7DB-EDBB-2A89-26C6-EC2640A5B840}"/>
+              </a:ext>
+            </a:extLst>
+          </p:cNvPr>
+          <p:cNvSpPr txBox="1"/>
+          <p:nvPr/>
+        </p:nvSpPr>
+        <p:spPr>
+          <a:xfrm>
+            <a:off x="289348" y="5608656"/>
+            <a:ext cx="9101141" cy="369332"/>
+          </a:xfrm>
+          <a:prstGeom prst="rect">
+            <a:avLst/>
+          </a:prstGeom>
+          <a:noFill/>
+        </p:spPr>
+        <p:txBody>
+          <a:bodyPr wrap="square">
+            <a:spAutoFit/>
+          </a:bodyPr>
+          <a:lstStyle/>
+          <a:p>
+            <a:r>
+              <a:rPr lang="en-US" sz="1800" i="1" dirty="0">
+                <a:effectLst/>
+                <a:latin typeface="Calibri" panose="020F0502020204030204" pitchFamily="34" charset="0"/>
+              </a:rPr>
+              <a:t>And now approved as a Service within the FedRAMP High Authorization for Azure Commercial</a:t>
+            </a:r>
+            <a:endParaRPr lang="en-US" dirty="0"/>
+          </a:p>
+        </p:txBody>
+      </p:sp>
+    </p:spTree>
+    <p:extLst>
+      <p:ext uri="{BB962C8B-B14F-4D97-AF65-F5344CB8AC3E}">
+        <p14:creationId xmlns:p14="http://schemas.microsoft.com/office/powerpoint/2010/main" val="1384607336"/>
+      </p:ext>
+    </p:extLst>
+  </p:cSld>
+  <p:clrMapOvr>
+    <a:masterClrMapping/>
+  </p:clrMapOvr>
+  <mc:AlternateContent xmlns:mc="http://schemas.openxmlformats.org/markup-compatibility/2006" xmlns:p159="http://schemas.microsoft.com/office/powerpoint/2015/09/main">
+    <mc:Choice Requires="p159">
+      <p:transition xmlns:p14="http://schemas.microsoft.com/office/powerpoint/2010/main" spd="slow" p14:dur="1500">
+        <p159:morph option="byObject"/>
+      </p:transition>
+    </mc:Choice>
+    <mc:Fallback xmlns="">
+      <p:transition spd="slow">
+        <p:fade/>
+      </p:transition>
+    </mc:Fallback>
+  </mc:AlternateContent>
+  <p:timing>
+    <p:tnLst>
+      <p:par>
+        <p:cTn id="1" dur="indefinite" restart="never" nodeType="tmRoot">
+          <p:childTnLst>
+            <p:seq concurrent="1" nextAc="seek">
+              <p:cTn id="2" dur="indefinite" nodeType="mainSeq">
+                <p:childTnLst>
+                  <p:par>
+                    <p:cTn id="3" fill="hold">
+                      <p:stCondLst>
+                        <p:cond delay="indefinite"/>
+                        <p:cond evt="onBegin" delay="0">
+                          <p:tn val="2"/>
+                        </p:cond>
+                      </p:stCondLst>
+                      <p:childTnLst>
+                        <p:par>
+                          <p:cTn id="4" fill="hold">
+                            <p:stCondLst>
+                              <p:cond delay="0"/>
+                            </p:stCondLst>
+                            <p:childTnLst>
+                              <p:par>
+                                <p:cTn id="5" presetID="22" presetClass="entr" presetSubtype="8" fill="hold" nodeType="afterEffect">
+                                  <p:stCondLst>
+                                    <p:cond delay="0"/>
+                                  </p:stCondLst>
+                                  <p:childTnLst>
+                                    <p:set>
+                                      <p:cBhvr>
+                                        <p:cTn id="6" dur="1" fill="hold">
+                                          <p:stCondLst>
+                                            <p:cond delay="0"/>
+                                          </p:stCondLst>
+                                        </p:cTn>
+                                        <p:tgtEl>
+                                          <p:spTgt spid="19"/>
+                                        </p:tgtEl>
+                                        <p:attrNameLst>
+                                          <p:attrName>style.visibility</p:attrName>
+                                        </p:attrNameLst>
+                                      </p:cBhvr>
+                                      <p:to>
+                                        <p:strVal val="visible"/>
+                                      </p:to>
+                                    </p:set>
+                                    <p:animEffect transition="in" filter="wipe(left)">
+                                      <p:cBhvr>
+                                        <p:cTn id="7" dur="500"/>
+                                        <p:tgtEl>
+                                          <p:spTgt spid="19"/>
+                                        </p:tgtEl>
+                                      </p:cBhvr>
+                                    </p:animEffect>
+                                  </p:childTnLst>
+                                </p:cTn>
+                              </p:par>
+                              <p:par>
+                                <p:cTn id="8" presetID="22" presetClass="entr" presetSubtype="8" fill="hold" nodeType="withEffect">
+                                  <p:stCondLst>
+                                    <p:cond delay="0"/>
+                                  </p:stCondLst>
+                                  <p:childTnLst>
+                                    <p:set>
+                                      <p:cBhvr>
+                                        <p:cTn id="9" dur="1" fill="hold">
+                                          <p:stCondLst>
+                                            <p:cond delay="0"/>
+                                          </p:stCondLst>
+                                        </p:cTn>
+                                        <p:tgtEl>
+                                          <p:spTgt spid="16"/>
+                                        </p:tgtEl>
+                                        <p:attrNameLst>
+                                          <p:attrName>style.visibility</p:attrName>
+                                        </p:attrNameLst>
+                                      </p:cBhvr>
+                                      <p:to>
+                                        <p:strVal val="visible"/>
+                                      </p:to>
+                                    </p:set>
+                                    <p:animEffect transition="in" filter="wipe(left)">
+                                      <p:cBhvr>
+                                        <p:cTn id="10" dur="500"/>
+                                        <p:tgtEl>
+                                          <p:spTgt spid="16"/>
+                                        </p:tgtEl>
+                                      </p:cBhvr>
+                                    </p:animEffect>
+                                  </p:childTnLst>
+                                </p:cTn>
+                              </p:par>
+                              <p:par>
+                                <p:cTn id="11" presetID="10" presetClass="entr" presetSubtype="0" fill="hold" grpId="0" nodeType="withEffect">
+                                  <p:stCondLst>
+                                    <p:cond delay="200"/>
+                                  </p:stCondLst>
+                                  <p:childTnLst>
+                                    <p:set>
+                                      <p:cBhvr>
+                                        <p:cTn id="12" dur="1" fill="hold">
+                                          <p:stCondLst>
+                                            <p:cond delay="0"/>
+                                          </p:stCondLst>
+                                        </p:cTn>
+                                        <p:tgtEl>
+                                          <p:spTgt spid="4"/>
+                                        </p:tgtEl>
+                                        <p:attrNameLst>
+                                          <p:attrName>style.visibility</p:attrName>
+                                        </p:attrNameLst>
+                                      </p:cBhvr>
+                                      <p:to>
+                                        <p:strVal val="visible"/>
+                                      </p:to>
+                                    </p:set>
+                                    <p:animEffect transition="in" filter="fade">
+                                      <p:cBhvr>
+                                        <p:cTn id="13" dur="500"/>
+                                        <p:tgtEl>
+                                          <p:spTgt spid="4"/>
+                                        </p:tgtEl>
+                                      </p:cBhvr>
+                                    </p:animEffect>
+                                  </p:childTnLst>
+                                </p:cTn>
+                              </p:par>
+                              <p:par>
+                                <p:cTn id="14" presetID="42" presetClass="path" presetSubtype="0" decel="100000" fill="hold" grpId="1" nodeType="withEffect">
+                                  <p:stCondLst>
+                                    <p:cond delay="200"/>
+                                  </p:stCondLst>
+                                  <p:childTnLst>
+                                    <p:animMotion origin="layout" path="M 1.66667E-6 -4.44444E-6 L -0.01485 -4.44444E-6 " pathEditMode="relative" rAng="0" ptsTypes="AA">
+                                      <p:cBhvr>
+                                        <p:cTn id="15" dur="500" spd="-100000" fill="hold"/>
+                                        <p:tgtEl>
+                                          <p:spTgt spid="4"/>
+                                        </p:tgtEl>
+                                        <p:attrNameLst>
+                                          <p:attrName>ppt_x</p:attrName>
+                                          <p:attrName>ppt_y</p:attrName>
+                                        </p:attrNameLst>
+                                      </p:cBhvr>
+                                      <p:rCtr x="-742" y="0"/>
+                                    </p:animMotion>
+                                  </p:childTnLst>
+                                </p:cTn>
+                              </p:par>
+                              <p:par>
+                                <p:cTn id="16" presetID="10" presetClass="entr" presetSubtype="0" fill="hold" grpId="0" nodeType="withEffect">
+                                  <p:stCondLst>
+                                    <p:cond delay="200"/>
+                                  </p:stCondLst>
+                                  <p:childTnLst>
+                                    <p:set>
+                                      <p:cBhvr>
+                                        <p:cTn id="17" dur="1" fill="hold">
+                                          <p:stCondLst>
+                                            <p:cond delay="0"/>
+                                          </p:stCondLst>
+                                        </p:cTn>
+                                        <p:tgtEl>
+                                          <p:spTgt spid="5"/>
+                                        </p:tgtEl>
+                                        <p:attrNameLst>
+                                          <p:attrName>style.visibility</p:attrName>
+                                        </p:attrNameLst>
+                                      </p:cBhvr>
+                                      <p:to>
+                                        <p:strVal val="visible"/>
+                                      </p:to>
+                                    </p:set>
+                                    <p:animEffect transition="in" filter="fade">
+                                      <p:cBhvr>
+                                        <p:cTn id="18" dur="500"/>
+                                        <p:tgtEl>
+                                          <p:spTgt spid="5"/>
+                                        </p:tgtEl>
+                                      </p:cBhvr>
+                                    </p:animEffect>
+                                  </p:childTnLst>
+                                </p:cTn>
+                              </p:par>
+                              <p:par>
+                                <p:cTn id="19" presetID="42" presetClass="path" presetSubtype="0" decel="100000" fill="hold" grpId="1" nodeType="withEffect">
+                                  <p:stCondLst>
+                                    <p:cond delay="200"/>
+                                  </p:stCondLst>
+                                  <p:childTnLst>
+                                    <p:animMotion origin="layout" path="M 2.29167E-6 -2.22222E-6 L -0.01485 -2.22222E-6 " pathEditMode="relative" rAng="0" ptsTypes="AA">
+                                      <p:cBhvr>
+                                        <p:cTn id="20" dur="500" spd="-100000" fill="hold"/>
+                                        <p:tgtEl>
+                                          <p:spTgt spid="5"/>
+                                        </p:tgtEl>
+                                        <p:attrNameLst>
+                                          <p:attrName>ppt_x</p:attrName>
+                                          <p:attrName>ppt_y</p:attrName>
+                                        </p:attrNameLst>
+                                      </p:cBhvr>
+                                      <p:rCtr x="-742" y="0"/>
+                                    </p:animMotion>
+                                  </p:childTnLst>
+                                </p:cTn>
+                              </p:par>
+                              <p:par>
+                                <p:cTn id="21" presetID="10" presetClass="entr" presetSubtype="0" fill="hold" grpId="0" nodeType="withEffect">
+                                  <p:stCondLst>
+                                    <p:cond delay="200"/>
+                                  </p:stCondLst>
+                                  <p:childTnLst>
+                                    <p:set>
+                                      <p:cBhvr>
+                                        <p:cTn id="22" dur="1" fill="hold">
+                                          <p:stCondLst>
+                                            <p:cond delay="0"/>
+                                          </p:stCondLst>
+                                        </p:cTn>
+                                        <p:tgtEl>
+                                          <p:spTgt spid="10"/>
+                                        </p:tgtEl>
+                                        <p:attrNameLst>
+                                          <p:attrName>style.visibility</p:attrName>
+                                        </p:attrNameLst>
+                                      </p:cBhvr>
+                                      <p:to>
+                                        <p:strVal val="visible"/>
+                                      </p:to>
+                                    </p:set>
+                                    <p:animEffect transition="in" filter="fade">
+                                      <p:cBhvr>
+                                        <p:cTn id="23" dur="500"/>
+                                        <p:tgtEl>
+                                          <p:spTgt spid="10"/>
+                                        </p:tgtEl>
+                                      </p:cBhvr>
+                                    </p:animEffect>
+                                  </p:childTnLst>
+                                </p:cTn>
+                              </p:par>
+                              <p:par>
+                                <p:cTn id="24" presetID="42" presetClass="path" presetSubtype="0" decel="100000" fill="hold" grpId="1" nodeType="withEffect">
+                                  <p:stCondLst>
+                                    <p:cond delay="200"/>
+                                  </p:stCondLst>
+                                  <p:childTnLst>
+                                    <p:animMotion origin="layout" path="M -2.70833E-6 -3.7037E-7 L -0.01484 -3.7037E-7 " pathEditMode="relative" rAng="0" ptsTypes="AA">
+                                      <p:cBhvr>
+                                        <p:cTn id="25" dur="500" spd="-100000" fill="hold"/>
+                                        <p:tgtEl>
+                                          <p:spTgt spid="10"/>
+                                        </p:tgtEl>
+                                        <p:attrNameLst>
+                                          <p:attrName>ppt_x</p:attrName>
+                                          <p:attrName>ppt_y</p:attrName>
+                                        </p:attrNameLst>
+                                      </p:cBhvr>
+                                      <p:rCtr x="-742" y="0"/>
+                                    </p:animMotion>
+                                  </p:childTnLst>
+                                </p:cTn>
+                              </p:par>
+                              <p:par>
+                                <p:cTn id="26" presetID="10" presetClass="entr" presetSubtype="0" fill="hold" grpId="0" nodeType="withEffect">
+                                  <p:stCondLst>
+                                    <p:cond delay="200"/>
+                                  </p:stCondLst>
+                                  <p:childTnLst>
+                                    <p:set>
+                                      <p:cBhvr>
+                                        <p:cTn id="27" dur="1" fill="hold">
+                                          <p:stCondLst>
+                                            <p:cond delay="0"/>
+                                          </p:stCondLst>
+                                        </p:cTn>
+                                        <p:tgtEl>
+                                          <p:spTgt spid="20"/>
+                                        </p:tgtEl>
+                                        <p:attrNameLst>
+                                          <p:attrName>style.visibility</p:attrName>
+                                        </p:attrNameLst>
+                                      </p:cBhvr>
+                                      <p:to>
+                                        <p:strVal val="visible"/>
+                                      </p:to>
+                                    </p:set>
+                                    <p:animEffect transition="in" filter="fade">
+                                      <p:cBhvr>
+                                        <p:cTn id="28" dur="500"/>
+                                        <p:tgtEl>
+                                          <p:spTgt spid="20"/>
+                                        </p:tgtEl>
+                                      </p:cBhvr>
+                                    </p:animEffect>
+                                  </p:childTnLst>
+                                </p:cTn>
+                              </p:par>
+                              <p:par>
+                                <p:cTn id="29" presetID="42" presetClass="path" presetSubtype="0" decel="100000" fill="hold" grpId="1" nodeType="withEffect">
+                                  <p:stCondLst>
+                                    <p:cond delay="200"/>
+                                  </p:stCondLst>
+                                  <p:childTnLst>
+                                    <p:animMotion origin="layout" path="M 3.125E-6 -1.48148E-6 L -0.01485 -1.48148E-6 " pathEditMode="relative" rAng="0" ptsTypes="AA">
+                                      <p:cBhvr>
+                                        <p:cTn id="30" dur="500" spd="-100000" fill="hold"/>
+                                        <p:tgtEl>
+                                          <p:spTgt spid="20"/>
+                                        </p:tgtEl>
+                                        <p:attrNameLst>
+                                          <p:attrName>ppt_x</p:attrName>
+                                          <p:attrName>ppt_y</p:attrName>
+                                        </p:attrNameLst>
+                                      </p:cBhvr>
+                                      <p:rCtr x="-742" y="0"/>
+                                    </p:animMotion>
+                                  </p:childTnLst>
+                                </p:cTn>
+                              </p:par>
+                              <p:par>
+                                <p:cTn id="31" presetID="10" presetClass="entr" presetSubtype="0" fill="hold" grpId="0" nodeType="withEffect">
+                                  <p:stCondLst>
+                                    <p:cond delay="200"/>
+                                  </p:stCondLst>
+                                  <p:childTnLst>
+                                    <p:set>
+                                      <p:cBhvr>
+                                        <p:cTn id="32" dur="1" fill="hold">
+                                          <p:stCondLst>
+                                            <p:cond delay="0"/>
+                                          </p:stCondLst>
+                                        </p:cTn>
+                                        <p:tgtEl>
+                                          <p:spTgt spid="14"/>
+                                        </p:tgtEl>
+                                        <p:attrNameLst>
+                                          <p:attrName>style.visibility</p:attrName>
+                                        </p:attrNameLst>
+                                      </p:cBhvr>
+                                      <p:to>
+                                        <p:strVal val="visible"/>
+                                      </p:to>
+                                    </p:set>
+                                    <p:animEffect transition="in" filter="fade">
+                                      <p:cBhvr>
+                                        <p:cTn id="33" dur="500"/>
+                                        <p:tgtEl>
+                                          <p:spTgt spid="14"/>
+                                        </p:tgtEl>
+                                      </p:cBhvr>
+                                    </p:animEffect>
+                                  </p:childTnLst>
+                                </p:cTn>
+                              </p:par>
+                              <p:par>
+                                <p:cTn id="34" presetID="42" presetClass="path" presetSubtype="0" decel="100000" fill="hold" grpId="1" nodeType="withEffect">
+                                  <p:stCondLst>
+                                    <p:cond delay="200"/>
+                                  </p:stCondLst>
+                                  <p:childTnLst>
+                                    <p:animMotion origin="layout" path="M -4.16667E-6 7.40741E-7 L -0.01484 7.40741E-7 " pathEditMode="relative" rAng="0" ptsTypes="AA">
+                                      <p:cBhvr>
+                                        <p:cTn id="35" dur="500" spd="-100000" fill="hold"/>
+                                        <p:tgtEl>
+                                          <p:spTgt spid="14"/>
+                                        </p:tgtEl>
+                                        <p:attrNameLst>
+                                          <p:attrName>ppt_x</p:attrName>
+                                          <p:attrName>ppt_y</p:attrName>
+                                        </p:attrNameLst>
+                                      </p:cBhvr>
+                                      <p:rCtr x="-742" y="0"/>
+                                    </p:animMotion>
+                                  </p:childTnLst>
+                                </p:cTn>
+                              </p:par>
+                              <p:par>
+                                <p:cTn id="36" presetID="10" presetClass="entr" presetSubtype="0" fill="hold" grpId="0" nodeType="withEffect">
+                                  <p:stCondLst>
+                                    <p:cond delay="200"/>
+                                  </p:stCondLst>
+                                  <p:childTnLst>
+                                    <p:set>
+                                      <p:cBhvr>
+                                        <p:cTn id="37" dur="1" fill="hold">
+                                          <p:stCondLst>
+                                            <p:cond delay="0"/>
+                                          </p:stCondLst>
+                                        </p:cTn>
+                                        <p:tgtEl>
+                                          <p:spTgt spid="21"/>
+                                        </p:tgtEl>
+                                        <p:attrNameLst>
+                                          <p:attrName>style.visibility</p:attrName>
+                                        </p:attrNameLst>
+                                      </p:cBhvr>
+                                      <p:to>
+                                        <p:strVal val="visible"/>
+                                      </p:to>
+                                    </p:set>
+                                    <p:animEffect transition="in" filter="fade">
+                                      <p:cBhvr>
+                                        <p:cTn id="38" dur="500"/>
+                                        <p:tgtEl>
+                                          <p:spTgt spid="21"/>
+                                        </p:tgtEl>
+                                      </p:cBhvr>
+                                    </p:animEffect>
+                                  </p:childTnLst>
+                                </p:cTn>
+                              </p:par>
+                              <p:par>
+                                <p:cTn id="39" presetID="42" presetClass="path" presetSubtype="0" decel="100000" fill="hold" grpId="1" nodeType="withEffect">
+                                  <p:stCondLst>
+                                    <p:cond delay="200"/>
+                                  </p:stCondLst>
+                                  <p:childTnLst>
+                                    <p:animMotion origin="layout" path="M 3.125E-6 -4.81481E-6 L -0.01485 -4.81481E-6 " pathEditMode="relative" rAng="0" ptsTypes="AA">
+                                      <p:cBhvr>
+                                        <p:cTn id="40" dur="500" spd="-100000" fill="hold"/>
+                                        <p:tgtEl>
+                                          <p:spTgt spid="21"/>
+                                        </p:tgtEl>
+                                        <p:attrNameLst>
+                                          <p:attrName>ppt_x</p:attrName>
+                                          <p:attrName>ppt_y</p:attrName>
+                                        </p:attrNameLst>
+                                      </p:cBhvr>
+                                      <p:rCtr x="-742" y="0"/>
+                                    </p:animMotion>
+                                  </p:childTnLst>
+                                </p:cTn>
+                              </p:par>
+                            </p:childTnLst>
+                          </p:cTn>
+                        </p:par>
+                      </p:childTnLst>
+                    </p:cTn>
+                  </p:par>
+                </p:childTnLst>
+              </p:cTn>
+              <p:prevCondLst>
+                <p:cond evt="onPrev" delay="0">
+                  <p:tgtEl>
+                    <p:sldTgt/>
+                  </p:tgtEl>
+                </p:cond>
+              </p:prevCondLst>
+              <p:nextCondLst>
+                <p:cond evt="onNext" delay="0">
+                  <p:tgtEl>
+                    <p:sldTgt/>
+                  </p:tgtEl>
+                </p:cond>
+              </p:nextCondLst>
+            </p:seq>
+          </p:childTnLst>
+        </p:cTn>
+      </p:par>
+    </p:tnLst>
+    <p:bldLst>
+      <p:bldP spid="4" grpId="0"/>
+      <p:bldP spid="4" grpId="1"/>
+      <p:bldP spid="5" grpId="0"/>
+      <p:bldP spid="5" grpId="1"/>
+      <p:bldP spid="10" grpId="0"/>
+      <p:bldP spid="10" grpId="1"/>
+      <p:bldP spid="14" grpId="0"/>
+      <p:bldP spid="14" grpId="1"/>
+      <p:bldP spid="20" grpId="0"/>
+      <p:bldP spid="20" grpId="1"/>
+      <p:bldP spid="21" grpId="0"/>
+      <p:bldP spid="21" grpId="1"/>
+    </p:bldLst>
+  </p:timing>
+</p:sld>
+</file>
+
+<file path=ppt/slides/slide6.xml><?xml version="1.0" encoding="utf-8"?>
+<p:sld xmlns:a="http://schemas.openxmlformats.org/drawingml/2006/main" xmlns:r="http://schemas.openxmlformats.org/officeDocument/2006/relationships" xmlns:p="http://schemas.openxmlformats.org/presentationml/2006/main">
+  <p:cSld>
+    <p:spTree>
+      <p:nvGrpSpPr>
+        <p:cNvPr id="1" name=""/>
+        <p:cNvGrpSpPr/>
+        <p:nvPr/>
+      </p:nvGrpSpPr>
+      <p:grpSpPr>
+        <a:xfrm>
+          <a:off x="0" y="0"/>
+          <a:ext cx="0" cy="0"/>
+          <a:chOff x="0" y="0"/>
+          <a:chExt cx="0" cy="0"/>
+        </a:xfrm>
+      </p:grpSpPr>
+      <p:sp>
+        <p:nvSpPr>
+          <p:cNvPr id="4" name="AutoShape 2" descr="Generated by DALL·E">
+            <a:extLst>
+              <a:ext uri="{FF2B5EF4-FFF2-40B4-BE49-F238E27FC236}">
+                <a16:creationId xmlns:a16="http://schemas.microsoft.com/office/drawing/2014/main" id="{F08A72A6-1D96-AC96-8AAB-42CC3D6075DA}"/>
+              </a:ext>
+            </a:extLst>
+          </p:cNvPr>
+          <p:cNvSpPr>
+            <a:spLocks noChangeAspect="1" noChangeArrowheads="1"/>
+          </p:cNvSpPr>
+          <p:nvPr/>
+        </p:nvSpPr>
+        <p:spPr bwMode="auto">
+          <a:xfrm>
+            <a:off x="5943600" y="3276600"/>
+            <a:ext cx="304800" cy="304800"/>
+          </a:xfrm>
+          <a:prstGeom prst="rect">
+            <a:avLst/>
+          </a:prstGeom>
+          <a:noFill/>
+          <a:extLst>
+            <a:ext uri="{909E8E84-426E-40DD-AFC4-6F175D3DCCD1}">
+              <a14:hiddenFill xmlns:a14="http://schemas.microsoft.com/office/drawing/2010/main">
+                <a:solidFill>
+                  <a:srgbClr val="FFFFFF"/>
+                </a:solidFill>
+              </a14:hiddenFill>
+            </a:ext>
+          </a:extLst>
+        </p:spPr>
+        <p:txBody>
+          <a:bodyPr vert="horz" wrap="square" lIns="91440" tIns="45720" rIns="91440" bIns="45720" numCol="1" anchor="t" anchorCtr="0" compatLnSpc="1">
+            <a:prstTxWarp prst="textNoShape">
+              <a:avLst/>
+            </a:prstTxWarp>
+          </a:bodyPr>
+          <a:lstStyle/>
+          <a:p>
+            <a:endParaRPr lang="en-US"/>
+          </a:p>
+        </p:txBody>
+      </p:sp>
+      <p:pic>
+        <p:nvPicPr>
+          <p:cNvPr id="5" name="Picture 4">
+            <a:extLst>
+              <a:ext uri="{FF2B5EF4-FFF2-40B4-BE49-F238E27FC236}">
+                <a16:creationId xmlns:a16="http://schemas.microsoft.com/office/drawing/2014/main" id="{FC102DA5-9162-BE42-9BCE-A79355C0BCE7}"/>
+              </a:ext>
+            </a:extLst>
+          </p:cNvPr>
+          <p:cNvPicPr>
+            <a:picLocks noChangeAspect="1"/>
+          </p:cNvPicPr>
+          <p:nvPr/>
+        </p:nvPicPr>
+        <p:blipFill>
+          <a:blip r:embed="rId3"/>
+          <a:stretch>
+            <a:fillRect/>
+          </a:stretch>
+        </p:blipFill>
+        <p:spPr>
+          <a:xfrm>
+            <a:off x="190498" y="-1"/>
+            <a:ext cx="12001502" cy="6858001"/>
+          </a:xfrm>
+          <a:prstGeom prst="rect">
+            <a:avLst/>
+          </a:prstGeom>
+        </p:spPr>
+      </p:pic>
+      <p:sp>
+        <p:nvSpPr>
+          <p:cNvPr id="6" name="Title 4">
+            <a:extLst>
+              <a:ext uri="{FF2B5EF4-FFF2-40B4-BE49-F238E27FC236}">
+                <a16:creationId xmlns:a16="http://schemas.microsoft.com/office/drawing/2014/main" id="{D690C399-D7D5-9618-755C-19352E45231F}"/>
+              </a:ext>
+            </a:extLst>
+          </p:cNvPr>
+          <p:cNvSpPr txBox="1">
+            <a:spLocks/>
+          </p:cNvSpPr>
+          <p:nvPr/>
+        </p:nvSpPr>
+        <p:spPr>
+          <a:xfrm>
+            <a:off x="101600" y="365125"/>
+            <a:ext cx="11252200" cy="1325563"/>
+          </a:xfrm>
+          <a:prstGeom prst="rect">
+            <a:avLst/>
+          </a:prstGeom>
+        </p:spPr>
+        <p:txBody>
+          <a:bodyPr/>
+          <a:lstStyle>
+            <a:lvl1pPr algn="l" defTabSz="914400" rtl="0" eaLnBrk="1" latinLnBrk="0" hangingPunct="1">
+              <a:lnSpc>
+                <a:spcPct val="90000"/>
+              </a:lnSpc>
+              <a:spcBef>
+                <a:spcPct val="0"/>
+              </a:spcBef>
+              <a:buNone/>
+              <a:defRPr sz="4400" kern="1200">
+                <a:solidFill>
+                  <a:schemeClr val="tx1"/>
+                </a:solidFill>
+                <a:latin typeface="+mj-lt"/>
+                <a:ea typeface="+mj-ea"/>
+                <a:cs typeface="+mj-cs"/>
+              </a:defRPr>
+            </a:lvl1pPr>
+          </a:lstStyle>
+          <a:p>
+            <a:r>
+              <a:rPr lang="en-US" dirty="0"/>
+              <a:t>Hallucinate much?</a:t>
+            </a:r>
+          </a:p>
+        </p:txBody>
+      </p:sp>
+      <p:sp>
+        <p:nvSpPr>
+          <p:cNvPr id="7" name="TextBox 6">
+            <a:extLst>
+              <a:ext uri="{FF2B5EF4-FFF2-40B4-BE49-F238E27FC236}">
+                <a16:creationId xmlns:a16="http://schemas.microsoft.com/office/drawing/2014/main" id="{24F82F1A-F6FB-93CE-0EE4-94EC2E723C51}"/>
+              </a:ext>
+            </a:extLst>
+          </p:cNvPr>
+          <p:cNvSpPr txBox="1"/>
+          <p:nvPr/>
+        </p:nvSpPr>
+        <p:spPr>
+          <a:xfrm>
+            <a:off x="323272" y="1219200"/>
+            <a:ext cx="4165599" cy="2677656"/>
+          </a:xfrm>
+          <a:prstGeom prst="rect">
+            <a:avLst/>
+          </a:prstGeom>
+          <a:noFill/>
+        </p:spPr>
+        <p:txBody>
+          <a:bodyPr wrap="square" rtlCol="0">
+            <a:spAutoFit/>
+          </a:bodyPr>
+          <a:lstStyle/>
+          <a:p>
+            <a:r>
+              <a:rPr lang="en-US" sz="2800" dirty="0"/>
+              <a:t>A situation where the model generates text that is not grounded in reality, is factually incorrect, or doesn't align with the input provided.</a:t>
+            </a:r>
+          </a:p>
+        </p:txBody>
+      </p:sp>
+    </p:spTree>
+    <p:extLst>
+      <p:ext uri="{BB962C8B-B14F-4D97-AF65-F5344CB8AC3E}">
+        <p14:creationId xmlns:p14="http://schemas.microsoft.com/office/powerpoint/2010/main" val="2775422152"/>
       </p:ext>
     </p:extLst>
   </p:cSld>
